--- a/Task 6/Group_22.pptx
+++ b/Task 6/Group_22.pptx
@@ -5,13 +5,33 @@
     <p:sldMasterId id="2147483648" r:id="rId1"/>
   </p:sldMasterIdLst>
   <p:notesMasterIdLst>
-    <p:notesMasterId r:id="rId6"/>
+    <p:notesMasterId r:id="rId26"/>
   </p:notesMasterIdLst>
   <p:sldIdLst>
     <p:sldId id="256" r:id="rId2"/>
     <p:sldId id="257" r:id="rId3"/>
     <p:sldId id="289" r:id="rId4"/>
-    <p:sldId id="275" r:id="rId5"/>
+    <p:sldId id="290" r:id="rId5"/>
+    <p:sldId id="293" r:id="rId6"/>
+    <p:sldId id="294" r:id="rId7"/>
+    <p:sldId id="295" r:id="rId8"/>
+    <p:sldId id="296" r:id="rId9"/>
+    <p:sldId id="297" r:id="rId10"/>
+    <p:sldId id="298" r:id="rId11"/>
+    <p:sldId id="291" r:id="rId12"/>
+    <p:sldId id="299" r:id="rId13"/>
+    <p:sldId id="300" r:id="rId14"/>
+    <p:sldId id="301" r:id="rId15"/>
+    <p:sldId id="309" r:id="rId16"/>
+    <p:sldId id="302" r:id="rId17"/>
+    <p:sldId id="304" r:id="rId18"/>
+    <p:sldId id="305" r:id="rId19"/>
+    <p:sldId id="306" r:id="rId20"/>
+    <p:sldId id="307" r:id="rId21"/>
+    <p:sldId id="303" r:id="rId22"/>
+    <p:sldId id="308" r:id="rId23"/>
+    <p:sldId id="292" r:id="rId24"/>
+    <p:sldId id="275" r:id="rId25"/>
   </p:sldIdLst>
   <p:sldSz cx="9144000" cy="6858000" type="screen4x3"/>
   <p:notesSz cx="6858000" cy="9144000"/>
@@ -211,7 +231,7 @@
           <a:p>
             <a:fld id="{B8B13469-F4A4-439F-92F9-A065AA4A8A3D}" type="datetimeFigureOut">
               <a:rPr lang="en-US" smtClean="0"/>
-              <a:t>6/13/2024</a:t>
+              <a:t>6/20/2024</a:t>
             </a:fld>
             <a:endParaRPr lang="en-US"/>
           </a:p>
@@ -619,7 +639,7 @@
           <a:p>
             <a:fld id="{2B72D4CF-9EB5-4D32-A6AD-DC5D1F329725}" type="datetimeFigureOut">
               <a:rPr lang="en-US" smtClean="0"/>
-              <a:t>6/13/2024</a:t>
+              <a:t>6/20/2024</a:t>
             </a:fld>
             <a:endParaRPr lang="en-US"/>
           </a:p>
@@ -977,7 +997,7 @@
           <a:p>
             <a:fld id="{2B72D4CF-9EB5-4D32-A6AD-DC5D1F329725}" type="datetimeFigureOut">
               <a:rPr lang="en-US" smtClean="0"/>
-              <a:t>6/13/2024</a:t>
+              <a:t>6/20/2024</a:t>
             </a:fld>
             <a:endParaRPr lang="en-US"/>
           </a:p>
@@ -1151,7 +1171,7 @@
           <a:p>
             <a:fld id="{2B72D4CF-9EB5-4D32-A6AD-DC5D1F329725}" type="datetimeFigureOut">
               <a:rPr lang="en-US" smtClean="0"/>
-              <a:t>6/13/2024</a:t>
+              <a:t>6/20/2024</a:t>
             </a:fld>
             <a:endParaRPr lang="en-US"/>
           </a:p>
@@ -1385,7 +1405,7 @@
           <a:p>
             <a:fld id="{2B72D4CF-9EB5-4D32-A6AD-DC5D1F329725}" type="datetimeFigureOut">
               <a:rPr lang="en-US" smtClean="0"/>
-              <a:t>6/13/2024</a:t>
+              <a:t>6/20/2024</a:t>
             </a:fld>
             <a:endParaRPr lang="en-US"/>
           </a:p>
@@ -1653,7 +1673,7 @@
           <a:p>
             <a:fld id="{2B72D4CF-9EB5-4D32-A6AD-DC5D1F329725}" type="datetimeFigureOut">
               <a:rPr lang="en-US" smtClean="0"/>
-              <a:t>6/13/2024</a:t>
+              <a:t>6/20/2024</a:t>
             </a:fld>
             <a:endParaRPr lang="en-US"/>
           </a:p>
@@ -1872,7 +1892,7 @@
           <a:p>
             <a:fld id="{2B72D4CF-9EB5-4D32-A6AD-DC5D1F329725}" type="datetimeFigureOut">
               <a:rPr lang="en-US" smtClean="0"/>
-              <a:t>6/13/2024</a:t>
+              <a:t>6/20/2024</a:t>
             </a:fld>
             <a:endParaRPr lang="en-US"/>
           </a:p>
@@ -2223,7 +2243,7 @@
           <a:p>
             <a:fld id="{2B72D4CF-9EB5-4D32-A6AD-DC5D1F329725}" type="datetimeFigureOut">
               <a:rPr lang="en-US" smtClean="0"/>
-              <a:t>6/13/2024</a:t>
+              <a:t>6/20/2024</a:t>
             </a:fld>
             <a:endParaRPr lang="en-US"/>
           </a:p>
@@ -2454,7 +2474,7 @@
           <a:p>
             <a:fld id="{2B72D4CF-9EB5-4D32-A6AD-DC5D1F329725}" type="datetimeFigureOut">
               <a:rPr lang="en-US" smtClean="0"/>
-              <a:t>6/13/2024</a:t>
+              <a:t>6/20/2024</a:t>
             </a:fld>
             <a:endParaRPr lang="en-US"/>
           </a:p>
@@ -2594,7 +2614,7 @@
           <a:p>
             <a:fld id="{2B72D4CF-9EB5-4D32-A6AD-DC5D1F329725}" type="datetimeFigureOut">
               <a:rPr lang="en-US" smtClean="0"/>
-              <a:t>6/13/2024</a:t>
+              <a:t>6/20/2024</a:t>
             </a:fld>
             <a:endParaRPr lang="en-US"/>
           </a:p>
@@ -2870,7 +2890,7 @@
           <a:p>
             <a:fld id="{2B72D4CF-9EB5-4D32-A6AD-DC5D1F329725}" type="datetimeFigureOut">
               <a:rPr lang="en-US" smtClean="0"/>
-              <a:t>6/13/2024</a:t>
+              <a:t>6/20/2024</a:t>
             </a:fld>
             <a:endParaRPr lang="en-US"/>
           </a:p>
@@ -3276,7 +3296,7 @@
           <a:p>
             <a:fld id="{2B72D4CF-9EB5-4D32-A6AD-DC5D1F329725}" type="datetimeFigureOut">
               <a:rPr lang="en-US" smtClean="0"/>
-              <a:t>6/13/2024</a:t>
+              <a:t>6/20/2024</a:t>
             </a:fld>
             <a:endParaRPr lang="en-US"/>
           </a:p>
@@ -3612,7 +3632,7 @@
           <a:p>
             <a:fld id="{2B72D4CF-9EB5-4D32-A6AD-DC5D1F329725}" type="datetimeFigureOut">
               <a:rPr lang="en-US" smtClean="0"/>
-              <a:t>6/13/2024</a:t>
+              <a:t>6/20/2024</a:t>
             </a:fld>
             <a:endParaRPr lang="en-US"/>
           </a:p>
@@ -4162,11 +4182,7 @@
           <a:p>
             <a:r>
               <a:rPr lang="en-US" dirty="0" smtClean="0"/>
-              <a:t>Database</a:t>
-            </a:r>
-            <a:r>
-              <a:rPr lang="en-US" dirty="0" smtClean="0"/>
-              <a:t> </a:t>
+              <a:t>Database </a:t>
             </a:r>
             <a:r>
               <a:rPr lang="en-US" dirty="0"/>
@@ -4193,7 +4209,7 @@
             <a:pPr marL="0" indent="0" algn="ctr">
               <a:buNone/>
             </a:pPr>
-            <a:endParaRPr lang="en-US" dirty="0"/>
+            <a:endParaRPr lang="en-US" dirty="0" smtClean="0"/>
           </a:p>
           <a:p>
             <a:pPr marL="0" indent="0" algn="ctr">
@@ -4205,7 +4221,7 @@
             <a:pPr marL="0" indent="0" algn="ctr">
               <a:buNone/>
             </a:pPr>
-            <a:endParaRPr lang="en-US" dirty="0"/>
+            <a:endParaRPr lang="en-US" dirty="0" smtClean="0"/>
           </a:p>
           <a:p>
             <a:pPr marL="0" indent="0" algn="ctr">
@@ -4243,6 +4259,1922 @@
   <p:clrMapOvr>
     <a:masterClrMapping/>
   </p:clrMapOvr>
+  <p:timing>
+    <p:tnLst>
+      <p:par>
+        <p:cTn id="1" dur="indefinite" restart="never" nodeType="tmRoot"/>
+      </p:par>
+    </p:tnLst>
+  </p:timing>
+</p:sld>
+</file>
+
+<file path=ppt/slides/slide10.xml><?xml version="1.0" encoding="utf-8"?>
+<p:sld xmlns:a="http://schemas.openxmlformats.org/drawingml/2006/main" xmlns:r="http://schemas.openxmlformats.org/officeDocument/2006/relationships" xmlns:p="http://schemas.openxmlformats.org/presentationml/2006/main">
+  <p:cSld>
+    <p:spTree>
+      <p:nvGrpSpPr>
+        <p:cNvPr id="1" name=""/>
+        <p:cNvGrpSpPr/>
+        <p:nvPr/>
+      </p:nvGrpSpPr>
+      <p:grpSpPr>
+        <a:xfrm>
+          <a:off x="0" y="0"/>
+          <a:ext cx="0" cy="0"/>
+          <a:chOff x="0" y="0"/>
+          <a:chExt cx="0" cy="0"/>
+        </a:xfrm>
+      </p:grpSpPr>
+      <p:sp>
+        <p:nvSpPr>
+          <p:cNvPr id="2" name="Title 1"/>
+          <p:cNvSpPr>
+            <a:spLocks noGrp="1"/>
+          </p:cNvSpPr>
+          <p:nvPr>
+            <p:ph type="title"/>
+          </p:nvPr>
+        </p:nvSpPr>
+        <p:spPr/>
+        <p:txBody>
+          <a:bodyPr/>
+          <a:lstStyle/>
+          <a:p>
+            <a:r>
+              <a:rPr lang="en-US" dirty="0" smtClean="0"/>
+              <a:t>Example: User and Forums collection</a:t>
+            </a:r>
+            <a:endParaRPr lang="en-US" dirty="0"/>
+          </a:p>
+        </p:txBody>
+      </p:sp>
+      <p:sp>
+        <p:nvSpPr>
+          <p:cNvPr id="4" name="Content Placeholder 3"/>
+          <p:cNvSpPr>
+            <a:spLocks noGrp="1"/>
+          </p:cNvSpPr>
+          <p:nvPr>
+            <p:ph sz="quarter" idx="1"/>
+          </p:nvPr>
+        </p:nvSpPr>
+        <p:spPr>
+          <a:xfrm>
+            <a:off x="457200" y="1219200"/>
+            <a:ext cx="3137338" cy="4937760"/>
+          </a:xfrm>
+        </p:spPr>
+        <p:txBody>
+          <a:bodyPr>
+            <a:noAutofit/>
+          </a:bodyPr>
+          <a:lstStyle/>
+          <a:p>
+            <a:pPr marL="0" indent="0">
+              <a:buNone/>
+            </a:pPr>
+            <a:r>
+              <a:rPr lang="en-US" dirty="0"/>
+              <a:t>1) User (Civilian)</a:t>
+            </a:r>
+          </a:p>
+          <a:p>
+            <a:pPr lvl="1" fontAlgn="base">
+              <a:buFont typeface="Arial" panose="020B0604020202020204" pitchFamily="34" charset="0"/>
+              <a:buChar char="•"/>
+            </a:pPr>
+            <a:r>
+              <a:rPr lang="en-US" dirty="0" err="1" smtClean="0"/>
+              <a:t>user_id</a:t>
+            </a:r>
+            <a:endParaRPr lang="en-US" dirty="0"/>
+          </a:p>
+          <a:p>
+            <a:pPr lvl="1" fontAlgn="base">
+              <a:buFont typeface="Arial" panose="020B0604020202020204" pitchFamily="34" charset="0"/>
+              <a:buChar char="•"/>
+            </a:pPr>
+            <a:r>
+              <a:rPr lang="en-US" dirty="0" err="1" smtClean="0"/>
+              <a:t>user_name</a:t>
+            </a:r>
+            <a:r>
+              <a:rPr lang="en-US" dirty="0" smtClean="0"/>
+              <a:t> </a:t>
+            </a:r>
+            <a:endParaRPr lang="en-US" dirty="0"/>
+          </a:p>
+          <a:p>
+            <a:pPr lvl="1" fontAlgn="base">
+              <a:buFont typeface="Arial" panose="020B0604020202020204" pitchFamily="34" charset="0"/>
+              <a:buChar char="•"/>
+            </a:pPr>
+            <a:r>
+              <a:rPr lang="en-US" dirty="0" smtClean="0"/>
+              <a:t>Email</a:t>
+            </a:r>
+            <a:endParaRPr lang="en-US" dirty="0"/>
+          </a:p>
+          <a:p>
+            <a:pPr lvl="1" fontAlgn="base">
+              <a:buFont typeface="Arial" panose="020B0604020202020204" pitchFamily="34" charset="0"/>
+              <a:buChar char="•"/>
+            </a:pPr>
+            <a:r>
+              <a:rPr lang="en-US" dirty="0" smtClean="0"/>
+              <a:t>Password</a:t>
+            </a:r>
+            <a:endParaRPr lang="en-US" dirty="0"/>
+          </a:p>
+          <a:p>
+            <a:pPr lvl="1" fontAlgn="base">
+              <a:buFont typeface="Arial" panose="020B0604020202020204" pitchFamily="34" charset="0"/>
+              <a:buChar char="•"/>
+            </a:pPr>
+            <a:r>
+              <a:rPr lang="en-US" dirty="0" smtClean="0"/>
+              <a:t>Telephone</a:t>
+            </a:r>
+            <a:endParaRPr lang="en-US" dirty="0"/>
+          </a:p>
+          <a:p>
+            <a:pPr lvl="1" fontAlgn="base">
+              <a:buFont typeface="Arial" panose="020B0604020202020204" pitchFamily="34" charset="0"/>
+              <a:buChar char="•"/>
+            </a:pPr>
+            <a:r>
+              <a:rPr lang="en-US" dirty="0" smtClean="0"/>
+              <a:t>Language</a:t>
+            </a:r>
+            <a:endParaRPr lang="en-US" dirty="0"/>
+          </a:p>
+          <a:p>
+            <a:pPr lvl="1" fontAlgn="base">
+              <a:buFont typeface="Arial" panose="020B0604020202020204" pitchFamily="34" charset="0"/>
+              <a:buChar char="•"/>
+            </a:pPr>
+            <a:r>
+              <a:rPr lang="en-US" dirty="0" err="1" smtClean="0"/>
+              <a:t>profile_photo</a:t>
+            </a:r>
+            <a:endParaRPr lang="en-US" dirty="0"/>
+          </a:p>
+          <a:p>
+            <a:pPr lvl="1" fontAlgn="base">
+              <a:buFont typeface="Arial" panose="020B0604020202020204" pitchFamily="34" charset="0"/>
+              <a:buChar char="•"/>
+            </a:pPr>
+            <a:r>
+              <a:rPr lang="en-US" dirty="0" err="1" smtClean="0"/>
+              <a:t>volunteer_status</a:t>
+            </a:r>
+            <a:endParaRPr lang="en-US" dirty="0"/>
+          </a:p>
+          <a:p>
+            <a:pPr lvl="1" fontAlgn="base">
+              <a:buFont typeface="Arial" panose="020B0604020202020204" pitchFamily="34" charset="0"/>
+              <a:buChar char="•"/>
+            </a:pPr>
+            <a:r>
+              <a:rPr lang="en-US" dirty="0" err="1" smtClean="0"/>
+              <a:t>prefered_locations</a:t>
+            </a:r>
+            <a:endParaRPr lang="en-US" dirty="0"/>
+          </a:p>
+          <a:p>
+            <a:pPr lvl="1" fontAlgn="base">
+              <a:buFont typeface="Arial" panose="020B0604020202020204" pitchFamily="34" charset="0"/>
+              <a:buChar char="•"/>
+            </a:pPr>
+            <a:r>
+              <a:rPr lang="en-US" dirty="0" smtClean="0"/>
+              <a:t>forums</a:t>
+            </a:r>
+            <a:endParaRPr lang="en-US" dirty="0"/>
+          </a:p>
+        </p:txBody>
+      </p:sp>
+      <p:sp>
+        <p:nvSpPr>
+          <p:cNvPr id="5" name="Content Placeholder 4"/>
+          <p:cNvSpPr>
+            <a:spLocks noGrp="1"/>
+          </p:cNvSpPr>
+          <p:nvPr>
+            <p:ph sz="quarter" idx="2"/>
+          </p:nvPr>
+        </p:nvSpPr>
+        <p:spPr>
+          <a:xfrm>
+            <a:off x="3704897" y="1216152"/>
+            <a:ext cx="4968949" cy="4937760"/>
+          </a:xfrm>
+        </p:spPr>
+        <p:txBody>
+          <a:bodyPr numCol="2">
+            <a:noAutofit/>
+          </a:bodyPr>
+          <a:lstStyle/>
+          <a:p>
+            <a:pPr marL="0" indent="0">
+              <a:buNone/>
+            </a:pPr>
+            <a:r>
+              <a:rPr lang="en-US" sz="2800" dirty="0">
+                <a:solidFill>
+                  <a:schemeClr val="tx2"/>
+                </a:solidFill>
+              </a:rPr>
+              <a:t>5) Forums </a:t>
+            </a:r>
+          </a:p>
+          <a:p>
+            <a:pPr fontAlgn="base">
+              <a:buFont typeface="Arial" panose="020B0604020202020204" pitchFamily="34" charset="0"/>
+              <a:buChar char="•"/>
+            </a:pPr>
+            <a:r>
+              <a:rPr lang="en-US" sz="2400" dirty="0" smtClean="0">
+                <a:solidFill>
+                  <a:schemeClr val="tx2"/>
+                </a:solidFill>
+              </a:rPr>
+              <a:t>ID</a:t>
+            </a:r>
+          </a:p>
+          <a:p>
+            <a:pPr fontAlgn="base">
+              <a:buFont typeface="Arial" panose="020B0604020202020204" pitchFamily="34" charset="0"/>
+              <a:buChar char="•"/>
+            </a:pPr>
+            <a:r>
+              <a:rPr lang="en-US" sz="2400" dirty="0" smtClean="0">
+                <a:solidFill>
+                  <a:schemeClr val="tx2"/>
+                </a:solidFill>
+              </a:rPr>
+              <a:t>Name</a:t>
+            </a:r>
+          </a:p>
+          <a:p>
+            <a:pPr fontAlgn="base">
+              <a:buFont typeface="Arial" panose="020B0604020202020204" pitchFamily="34" charset="0"/>
+              <a:buChar char="•"/>
+            </a:pPr>
+            <a:r>
+              <a:rPr lang="en-US" sz="2400" dirty="0" smtClean="0">
+                <a:solidFill>
+                  <a:schemeClr val="tx2"/>
+                </a:solidFill>
+              </a:rPr>
+              <a:t>Description</a:t>
+            </a:r>
+          </a:p>
+          <a:p>
+            <a:pPr fontAlgn="base">
+              <a:buFont typeface="Arial" panose="020B0604020202020204" pitchFamily="34" charset="0"/>
+              <a:buChar char="•"/>
+            </a:pPr>
+            <a:r>
+              <a:rPr lang="en-US" sz="2400" dirty="0" err="1" smtClean="0">
+                <a:solidFill>
+                  <a:schemeClr val="tx2"/>
+                </a:solidFill>
+              </a:rPr>
+              <a:t>CreatedAt</a:t>
+            </a:r>
+            <a:endParaRPr lang="en-US" sz="2400" dirty="0" smtClean="0">
+              <a:solidFill>
+                <a:schemeClr val="tx2"/>
+              </a:solidFill>
+            </a:endParaRPr>
+          </a:p>
+          <a:p>
+            <a:pPr fontAlgn="base">
+              <a:buFont typeface="Arial" panose="020B0604020202020204" pitchFamily="34" charset="0"/>
+              <a:buChar char="•"/>
+            </a:pPr>
+            <a:r>
+              <a:rPr lang="en-US" sz="2400" dirty="0" err="1" smtClean="0">
+                <a:solidFill>
+                  <a:schemeClr val="tx2"/>
+                </a:solidFill>
+              </a:rPr>
+              <a:t>UpdatedAt</a:t>
+            </a:r>
+            <a:endParaRPr lang="en-US" sz="2400" dirty="0" smtClean="0">
+              <a:solidFill>
+                <a:schemeClr val="tx2"/>
+              </a:solidFill>
+            </a:endParaRPr>
+          </a:p>
+          <a:p>
+            <a:pPr fontAlgn="base">
+              <a:buFont typeface="Arial" panose="020B0604020202020204" pitchFamily="34" charset="0"/>
+              <a:buChar char="•"/>
+            </a:pPr>
+            <a:r>
+              <a:rPr lang="en-US" sz="2400" dirty="0" smtClean="0">
+                <a:solidFill>
+                  <a:schemeClr val="tx2"/>
+                </a:solidFill>
+              </a:rPr>
+              <a:t>Author</a:t>
+            </a:r>
+            <a:endParaRPr lang="en-US" sz="2400" dirty="0">
+              <a:solidFill>
+                <a:schemeClr val="tx2"/>
+              </a:solidFill>
+            </a:endParaRPr>
+          </a:p>
+          <a:p>
+            <a:pPr fontAlgn="base">
+              <a:buFont typeface="Arial" panose="020B0604020202020204" pitchFamily="34" charset="0"/>
+              <a:buChar char="•"/>
+            </a:pPr>
+            <a:r>
+              <a:rPr lang="en-US" sz="2400" dirty="0" smtClean="0">
+                <a:solidFill>
+                  <a:schemeClr val="tx2"/>
+                </a:solidFill>
+              </a:rPr>
+              <a:t>Members</a:t>
+            </a:r>
+            <a:endParaRPr lang="en-US" sz="2400" dirty="0">
+              <a:solidFill>
+                <a:schemeClr val="tx2"/>
+              </a:solidFill>
+            </a:endParaRPr>
+          </a:p>
+          <a:p>
+            <a:pPr lvl="1" fontAlgn="base">
+              <a:buFont typeface="Arial" panose="020B0604020202020204" pitchFamily="34" charset="0"/>
+              <a:buChar char="•"/>
+            </a:pPr>
+            <a:r>
+              <a:rPr lang="en-US" sz="2100" dirty="0" smtClean="0"/>
+              <a:t>ID</a:t>
+            </a:r>
+          </a:p>
+          <a:p>
+            <a:pPr lvl="1" fontAlgn="base">
+              <a:buFont typeface="Arial" panose="020B0604020202020204" pitchFamily="34" charset="0"/>
+              <a:buChar char="•"/>
+            </a:pPr>
+            <a:r>
+              <a:rPr lang="en-US" sz="2100" dirty="0" smtClean="0"/>
+              <a:t>Member name</a:t>
+            </a:r>
+          </a:p>
+          <a:p>
+            <a:pPr lvl="1" fontAlgn="base">
+              <a:buFont typeface="Arial" panose="020B0604020202020204" pitchFamily="34" charset="0"/>
+              <a:buChar char="•"/>
+            </a:pPr>
+            <a:r>
+              <a:rPr lang="en-US" sz="2100" dirty="0" smtClean="0"/>
+              <a:t>Role</a:t>
+            </a:r>
+            <a:endParaRPr lang="en-US" sz="2100" dirty="0"/>
+          </a:p>
+          <a:p>
+            <a:pPr fontAlgn="base">
+              <a:buFont typeface="Arial" panose="020B0604020202020204" pitchFamily="34" charset="0"/>
+              <a:buChar char="•"/>
+            </a:pPr>
+            <a:r>
+              <a:rPr lang="en-US" sz="2400" dirty="0" smtClean="0">
+                <a:solidFill>
+                  <a:schemeClr val="tx2"/>
+                </a:solidFill>
+              </a:rPr>
+              <a:t>messages</a:t>
+            </a:r>
+            <a:endParaRPr lang="en-US" sz="2400" dirty="0">
+              <a:solidFill>
+                <a:schemeClr val="tx2"/>
+              </a:solidFill>
+            </a:endParaRPr>
+          </a:p>
+          <a:p>
+            <a:pPr lvl="1" fontAlgn="base">
+              <a:buFont typeface="Arial" panose="020B0604020202020204" pitchFamily="34" charset="0"/>
+              <a:buChar char="•"/>
+            </a:pPr>
+            <a:r>
+              <a:rPr lang="en-US" sz="2100" dirty="0" smtClean="0"/>
+              <a:t>Id</a:t>
+            </a:r>
+            <a:endParaRPr lang="en-US" sz="2100" dirty="0"/>
+          </a:p>
+          <a:p>
+            <a:pPr lvl="1" fontAlgn="base">
+              <a:buFont typeface="Arial" panose="020B0604020202020204" pitchFamily="34" charset="0"/>
+              <a:buChar char="•"/>
+            </a:pPr>
+            <a:r>
+              <a:rPr lang="en-US" sz="2100" dirty="0" smtClean="0"/>
+              <a:t>content:</a:t>
+            </a:r>
+          </a:p>
+          <a:p>
+            <a:pPr lvl="1" fontAlgn="base">
+              <a:buFont typeface="Arial" panose="020B0604020202020204" pitchFamily="34" charset="0"/>
+              <a:buChar char="•"/>
+            </a:pPr>
+            <a:r>
+              <a:rPr lang="en-US" sz="2100" dirty="0" smtClean="0"/>
+              <a:t>Timestamp</a:t>
+            </a:r>
+            <a:endParaRPr lang="en-US" sz="2100" dirty="0"/>
+          </a:p>
+          <a:p>
+            <a:pPr lvl="1" fontAlgn="base">
+              <a:buFont typeface="Arial" panose="020B0604020202020204" pitchFamily="34" charset="0"/>
+              <a:buChar char="•"/>
+            </a:pPr>
+            <a:r>
+              <a:rPr lang="en-US" sz="2100" dirty="0" smtClean="0"/>
+              <a:t>sender</a:t>
+            </a:r>
+            <a:endParaRPr lang="en-US" sz="2100" dirty="0"/>
+          </a:p>
+          <a:p>
+            <a:pPr lvl="2" fontAlgn="base">
+              <a:buFont typeface="Arial" panose="020B0604020202020204" pitchFamily="34" charset="0"/>
+              <a:buChar char="•"/>
+            </a:pPr>
+            <a:r>
+              <a:rPr lang="en-US" dirty="0" err="1" smtClean="0">
+                <a:solidFill>
+                  <a:schemeClr val="tx2"/>
+                </a:solidFill>
+              </a:rPr>
+              <a:t>sender_id</a:t>
+            </a:r>
+            <a:r>
+              <a:rPr lang="en-US" dirty="0" smtClean="0">
+                <a:solidFill>
+                  <a:schemeClr val="tx2"/>
+                </a:solidFill>
+              </a:rPr>
+              <a:t>:</a:t>
+            </a:r>
+          </a:p>
+          <a:p>
+            <a:pPr lvl="2" fontAlgn="base">
+              <a:buFont typeface="Arial" panose="020B0604020202020204" pitchFamily="34" charset="0"/>
+              <a:buChar char="•"/>
+            </a:pPr>
+            <a:r>
+              <a:rPr lang="en-US" dirty="0" err="1" smtClean="0">
+                <a:solidFill>
+                  <a:schemeClr val="tx2"/>
+                </a:solidFill>
+              </a:rPr>
+              <a:t>sender_name</a:t>
+            </a:r>
+            <a:endParaRPr lang="en-US" dirty="0">
+              <a:solidFill>
+                <a:schemeClr val="tx2"/>
+              </a:solidFill>
+            </a:endParaRPr>
+          </a:p>
+          <a:p>
+            <a:pPr lvl="1" fontAlgn="base">
+              <a:buFont typeface="Arial" panose="020B0604020202020204" pitchFamily="34" charset="0"/>
+              <a:buChar char="•"/>
+            </a:pPr>
+            <a:r>
+              <a:rPr lang="en-US" sz="2100" dirty="0" err="1" smtClean="0"/>
+              <a:t>reply_to</a:t>
+            </a:r>
+            <a:endParaRPr lang="en-US" sz="2100" dirty="0"/>
+          </a:p>
+        </p:txBody>
+      </p:sp>
+    </p:spTree>
+    <p:extLst>
+      <p:ext uri="{BB962C8B-B14F-4D97-AF65-F5344CB8AC3E}">
+        <p14:creationId xmlns:p14="http://schemas.microsoft.com/office/powerpoint/2010/main" val="2049434960"/>
+      </p:ext>
+    </p:extLst>
+  </p:cSld>
+  <p:clrMapOvr>
+    <a:masterClrMapping/>
+  </p:clrMapOvr>
+  <p:timing>
+    <p:tnLst>
+      <p:par>
+        <p:cTn id="1" dur="indefinite" restart="never" nodeType="tmRoot"/>
+      </p:par>
+    </p:tnLst>
+  </p:timing>
+</p:sld>
+</file>
+
+<file path=ppt/slides/slide11.xml><?xml version="1.0" encoding="utf-8"?>
+<p:sld xmlns:a="http://schemas.openxmlformats.org/drawingml/2006/main" xmlns:r="http://schemas.openxmlformats.org/officeDocument/2006/relationships" xmlns:p="http://schemas.openxmlformats.org/presentationml/2006/main">
+  <p:cSld>
+    <p:spTree>
+      <p:nvGrpSpPr>
+        <p:cNvPr id="1" name=""/>
+        <p:cNvGrpSpPr/>
+        <p:nvPr/>
+      </p:nvGrpSpPr>
+      <p:grpSpPr>
+        <a:xfrm>
+          <a:off x="0" y="0"/>
+          <a:ext cx="0" cy="0"/>
+          <a:chOff x="0" y="0"/>
+          <a:chExt cx="0" cy="0"/>
+        </a:xfrm>
+      </p:grpSpPr>
+      <p:sp>
+        <p:nvSpPr>
+          <p:cNvPr id="2" name="Title 1"/>
+          <p:cNvSpPr>
+            <a:spLocks noGrp="1"/>
+          </p:cNvSpPr>
+          <p:nvPr>
+            <p:ph type="title"/>
+          </p:nvPr>
+        </p:nvSpPr>
+        <p:spPr/>
+        <p:txBody>
+          <a:bodyPr/>
+          <a:lstStyle/>
+          <a:p>
+            <a:r>
+              <a:rPr lang="en-US" dirty="0" smtClean="0"/>
+              <a:t>3. Database Implementation</a:t>
+            </a:r>
+            <a:endParaRPr lang="en-US" dirty="0"/>
+          </a:p>
+        </p:txBody>
+      </p:sp>
+      <p:sp>
+        <p:nvSpPr>
+          <p:cNvPr id="3" name="Content Placeholder 2"/>
+          <p:cNvSpPr>
+            <a:spLocks noGrp="1"/>
+          </p:cNvSpPr>
+          <p:nvPr>
+            <p:ph sz="quarter" idx="1"/>
+          </p:nvPr>
+        </p:nvSpPr>
+        <p:spPr/>
+        <p:txBody>
+          <a:bodyPr>
+            <a:normAutofit/>
+          </a:bodyPr>
+          <a:lstStyle/>
+          <a:p>
+            <a:pPr marL="571500" lvl="0" indent="-571500">
+              <a:buFont typeface="+mj-lt"/>
+              <a:buAutoNum type="romanUcPeriod"/>
+            </a:pPr>
+            <a:r>
+              <a:rPr lang="en-US" sz="3200" dirty="0" smtClean="0">
+                <a:solidFill>
+                  <a:schemeClr val="tx2"/>
+                </a:solidFill>
+              </a:rPr>
+              <a:t>Select DBMS and why </a:t>
+            </a:r>
+            <a:r>
+              <a:rPr lang="en-US" sz="3200" dirty="0">
+                <a:solidFill>
+                  <a:schemeClr val="tx2"/>
+                </a:solidFill>
+              </a:rPr>
+              <a:t>i</a:t>
+            </a:r>
+            <a:r>
+              <a:rPr lang="en-US" sz="3200" dirty="0" smtClean="0">
+                <a:solidFill>
+                  <a:schemeClr val="tx2"/>
+                </a:solidFill>
+              </a:rPr>
+              <a:t>t </a:t>
+            </a:r>
+            <a:r>
+              <a:rPr lang="en-US" sz="3200" dirty="0">
+                <a:solidFill>
+                  <a:schemeClr val="tx2"/>
+                </a:solidFill>
+              </a:rPr>
+              <a:t>w</a:t>
+            </a:r>
+            <a:r>
+              <a:rPr lang="en-US" sz="3200" dirty="0" smtClean="0">
+                <a:solidFill>
+                  <a:schemeClr val="tx2"/>
+                </a:solidFill>
+              </a:rPr>
+              <a:t>as chosen</a:t>
+            </a:r>
+          </a:p>
+          <a:p>
+            <a:pPr marL="571500" lvl="0" indent="-571500">
+              <a:buFont typeface="+mj-lt"/>
+              <a:buAutoNum type="romanUcPeriod"/>
+            </a:pPr>
+            <a:r>
+              <a:rPr lang="en-US" sz="3200" dirty="0" smtClean="0">
+                <a:solidFill>
+                  <a:schemeClr val="tx2"/>
+                </a:solidFill>
+              </a:rPr>
+              <a:t>Firebase project </a:t>
+            </a:r>
+            <a:r>
+              <a:rPr lang="en-US" sz="3200" dirty="0">
+                <a:solidFill>
+                  <a:schemeClr val="tx2"/>
+                </a:solidFill>
+              </a:rPr>
+              <a:t>s</a:t>
+            </a:r>
+            <a:r>
+              <a:rPr lang="en-US" sz="3200" dirty="0" smtClean="0">
+                <a:solidFill>
+                  <a:schemeClr val="tx2"/>
+                </a:solidFill>
+              </a:rPr>
+              <a:t>etup and Implementation</a:t>
+            </a:r>
+          </a:p>
+          <a:p>
+            <a:pPr marL="571500" lvl="0" indent="-571500">
+              <a:buFont typeface="+mj-lt"/>
+              <a:buAutoNum type="romanUcPeriod"/>
+            </a:pPr>
+            <a:r>
+              <a:rPr lang="en-US" sz="3200" dirty="0" smtClean="0">
+                <a:solidFill>
+                  <a:schemeClr val="tx2"/>
+                </a:solidFill>
+              </a:rPr>
+              <a:t>Create collections</a:t>
+            </a:r>
+          </a:p>
+          <a:p>
+            <a:pPr marL="571500" lvl="0" indent="-571500">
+              <a:buFont typeface="+mj-lt"/>
+              <a:buAutoNum type="romanUcPeriod"/>
+            </a:pPr>
+            <a:r>
+              <a:rPr lang="en-US" sz="3200" dirty="0" smtClean="0">
+                <a:solidFill>
+                  <a:schemeClr val="tx2"/>
+                </a:solidFill>
+              </a:rPr>
+              <a:t>Implement CRUD operations</a:t>
+            </a:r>
+          </a:p>
+          <a:p>
+            <a:pPr marL="571500" indent="-571500">
+              <a:buFont typeface="+mj-lt"/>
+              <a:buAutoNum type="romanUcPeriod"/>
+            </a:pPr>
+            <a:r>
+              <a:rPr lang="en-US" sz="3200" dirty="0" smtClean="0">
+                <a:solidFill>
+                  <a:schemeClr val="tx2"/>
+                </a:solidFill>
+              </a:rPr>
+              <a:t>Data Validation</a:t>
+            </a:r>
+            <a:endParaRPr lang="en-US" sz="3200" dirty="0">
+              <a:solidFill>
+                <a:schemeClr val="tx2"/>
+              </a:solidFill>
+            </a:endParaRPr>
+          </a:p>
+        </p:txBody>
+      </p:sp>
+    </p:spTree>
+    <p:extLst>
+      <p:ext uri="{BB962C8B-B14F-4D97-AF65-F5344CB8AC3E}">
+        <p14:creationId xmlns:p14="http://schemas.microsoft.com/office/powerpoint/2010/main" val="3755435524"/>
+      </p:ext>
+    </p:extLst>
+  </p:cSld>
+  <p:clrMapOvr>
+    <a:masterClrMapping/>
+  </p:clrMapOvr>
+  <p:timing>
+    <p:tnLst>
+      <p:par>
+        <p:cTn id="1" dur="indefinite" restart="never" nodeType="tmRoot"/>
+      </p:par>
+    </p:tnLst>
+  </p:timing>
+</p:sld>
+</file>
+
+<file path=ppt/slides/slide12.xml><?xml version="1.0" encoding="utf-8"?>
+<p:sld xmlns:a="http://schemas.openxmlformats.org/drawingml/2006/main" xmlns:r="http://schemas.openxmlformats.org/officeDocument/2006/relationships" xmlns:p="http://schemas.openxmlformats.org/presentationml/2006/main">
+  <p:cSld>
+    <p:spTree>
+      <p:nvGrpSpPr>
+        <p:cNvPr id="1" name=""/>
+        <p:cNvGrpSpPr/>
+        <p:nvPr/>
+      </p:nvGrpSpPr>
+      <p:grpSpPr>
+        <a:xfrm>
+          <a:off x="0" y="0"/>
+          <a:ext cx="0" cy="0"/>
+          <a:chOff x="0" y="0"/>
+          <a:chExt cx="0" cy="0"/>
+        </a:xfrm>
+      </p:grpSpPr>
+      <p:sp>
+        <p:nvSpPr>
+          <p:cNvPr id="2" name="Title 1"/>
+          <p:cNvSpPr>
+            <a:spLocks noGrp="1"/>
+          </p:cNvSpPr>
+          <p:nvPr>
+            <p:ph type="title"/>
+          </p:nvPr>
+        </p:nvSpPr>
+        <p:spPr/>
+        <p:txBody>
+          <a:bodyPr>
+            <a:normAutofit/>
+          </a:bodyPr>
+          <a:lstStyle/>
+          <a:p>
+            <a:pPr lvl="0"/>
+            <a:r>
+              <a:rPr lang="en-US" dirty="0" smtClean="0"/>
+              <a:t>I. Select </a:t>
+            </a:r>
+            <a:r>
+              <a:rPr lang="en-US" dirty="0"/>
+              <a:t>DBMS and why it was </a:t>
+            </a:r>
+            <a:r>
+              <a:rPr lang="en-US" dirty="0" smtClean="0"/>
+              <a:t>chosen</a:t>
+            </a:r>
+            <a:endParaRPr lang="en-US" dirty="0"/>
+          </a:p>
+        </p:txBody>
+      </p:sp>
+      <p:sp>
+        <p:nvSpPr>
+          <p:cNvPr id="3" name="Content Placeholder 2"/>
+          <p:cNvSpPr>
+            <a:spLocks noGrp="1"/>
+          </p:cNvSpPr>
+          <p:nvPr>
+            <p:ph sz="quarter" idx="1"/>
+          </p:nvPr>
+        </p:nvSpPr>
+        <p:spPr/>
+        <p:txBody>
+          <a:bodyPr>
+            <a:normAutofit/>
+          </a:bodyPr>
+          <a:lstStyle/>
+          <a:p>
+            <a:pPr marL="0" indent="0">
+              <a:buNone/>
+            </a:pPr>
+            <a:endParaRPr lang="en-US" sz="3200" dirty="0" smtClean="0">
+              <a:solidFill>
+                <a:schemeClr val="tx2"/>
+              </a:solidFill>
+            </a:endParaRPr>
+          </a:p>
+          <a:p>
+            <a:pPr marL="0" indent="0">
+              <a:buNone/>
+            </a:pPr>
+            <a:r>
+              <a:rPr lang="en-US" sz="3200" dirty="0" smtClean="0">
+                <a:solidFill>
+                  <a:schemeClr val="tx2"/>
+                </a:solidFill>
+              </a:rPr>
+              <a:t>Why </a:t>
+            </a:r>
+            <a:r>
+              <a:rPr lang="en-US" sz="3200" dirty="0">
+                <a:solidFill>
+                  <a:schemeClr val="tx2"/>
+                </a:solidFill>
+              </a:rPr>
+              <a:t>Firebase</a:t>
+            </a:r>
+            <a:r>
+              <a:rPr lang="en-US" sz="3200" dirty="0" smtClean="0">
+                <a:solidFill>
+                  <a:schemeClr val="tx2"/>
+                </a:solidFill>
+              </a:rPr>
+              <a:t>?</a:t>
+            </a:r>
+            <a:endParaRPr lang="en-US" sz="3200" dirty="0">
+              <a:solidFill>
+                <a:schemeClr val="tx2"/>
+              </a:solidFill>
+            </a:endParaRPr>
+          </a:p>
+          <a:p>
+            <a:pPr marL="571500" lvl="0" indent="-571500">
+              <a:buFont typeface="+mj-lt"/>
+              <a:buAutoNum type="romanLcPeriod"/>
+            </a:pPr>
+            <a:r>
+              <a:rPr lang="en-US" sz="3200" dirty="0" smtClean="0">
+                <a:solidFill>
+                  <a:schemeClr val="tx2"/>
+                </a:solidFill>
+              </a:rPr>
+              <a:t>Authentication</a:t>
+            </a:r>
+            <a:endParaRPr lang="en-US" sz="3200" dirty="0">
+              <a:solidFill>
+                <a:schemeClr val="tx2"/>
+              </a:solidFill>
+            </a:endParaRPr>
+          </a:p>
+          <a:p>
+            <a:pPr marL="571500" lvl="0" indent="-571500">
+              <a:buFont typeface="+mj-lt"/>
+              <a:buAutoNum type="romanLcPeriod"/>
+            </a:pPr>
+            <a:r>
+              <a:rPr lang="en-US" sz="3200" dirty="0" smtClean="0">
+                <a:solidFill>
+                  <a:schemeClr val="tx2"/>
+                </a:solidFill>
+              </a:rPr>
+              <a:t>Fast Development</a:t>
+            </a:r>
+            <a:endParaRPr lang="en-US" sz="3200" dirty="0">
+              <a:solidFill>
+                <a:schemeClr val="tx2"/>
+              </a:solidFill>
+            </a:endParaRPr>
+          </a:p>
+          <a:p>
+            <a:pPr marL="571500" lvl="0" indent="-571500">
+              <a:buFont typeface="+mj-lt"/>
+              <a:buAutoNum type="romanLcPeriod"/>
+            </a:pPr>
+            <a:r>
+              <a:rPr lang="en-US" sz="3200" dirty="0" smtClean="0">
+                <a:solidFill>
+                  <a:schemeClr val="tx2"/>
+                </a:solidFill>
+              </a:rPr>
+              <a:t>Scalability</a:t>
+            </a:r>
+            <a:endParaRPr lang="en-US" sz="3200" dirty="0">
+              <a:solidFill>
+                <a:schemeClr val="tx2"/>
+              </a:solidFill>
+            </a:endParaRPr>
+          </a:p>
+          <a:p>
+            <a:pPr marL="571500" lvl="0" indent="-571500">
+              <a:buFont typeface="+mj-lt"/>
+              <a:buAutoNum type="romanLcPeriod"/>
+            </a:pPr>
+            <a:r>
+              <a:rPr lang="en-US" sz="3200" dirty="0" err="1" smtClean="0">
+                <a:solidFill>
+                  <a:schemeClr val="tx2"/>
+                </a:solidFill>
+              </a:rPr>
+              <a:t>Realtime</a:t>
+            </a:r>
+            <a:r>
+              <a:rPr lang="en-US" sz="3200" dirty="0" smtClean="0">
+                <a:solidFill>
+                  <a:schemeClr val="tx2"/>
+                </a:solidFill>
+              </a:rPr>
+              <a:t> Capabilities</a:t>
+            </a:r>
+            <a:endParaRPr lang="en-US" sz="3200" dirty="0">
+              <a:solidFill>
+                <a:schemeClr val="tx2"/>
+              </a:solidFill>
+            </a:endParaRPr>
+          </a:p>
+          <a:p>
+            <a:pPr marL="571500" lvl="0" indent="-571500" fontAlgn="base">
+              <a:buFont typeface="+mj-lt"/>
+              <a:buAutoNum type="romanLcPeriod"/>
+            </a:pPr>
+            <a:r>
+              <a:rPr lang="en-US" sz="3200" dirty="0" smtClean="0">
+                <a:solidFill>
+                  <a:schemeClr val="tx2"/>
+                </a:solidFill>
+              </a:rPr>
+              <a:t>Offline Functionality</a:t>
+            </a:r>
+            <a:endParaRPr lang="en-US" sz="3200" dirty="0">
+              <a:solidFill>
+                <a:schemeClr val="tx2"/>
+              </a:solidFill>
+            </a:endParaRPr>
+          </a:p>
+        </p:txBody>
+      </p:sp>
+      <p:pic>
+        <p:nvPicPr>
+          <p:cNvPr id="4098" name="Picture 2"/>
+          <p:cNvPicPr>
+            <a:picLocks noChangeAspect="1" noChangeArrowheads="1"/>
+          </p:cNvPicPr>
+          <p:nvPr/>
+        </p:nvPicPr>
+        <p:blipFill rotWithShape="1">
+          <a:blip r:embed="rId2">
+            <a:extLst>
+              <a:ext uri="{28A0092B-C50C-407E-A947-70E740481C1C}">
+                <a14:useLocalDpi xmlns:a14="http://schemas.microsoft.com/office/drawing/2010/main" val="0"/>
+              </a:ext>
+            </a:extLst>
+          </a:blip>
+          <a:srcRect r="76089"/>
+          <a:stretch/>
+        </p:blipFill>
+        <p:spPr bwMode="auto">
+          <a:xfrm>
+            <a:off x="5526468" y="1896716"/>
+            <a:ext cx="2807494" cy="3362761"/>
+          </a:xfrm>
+          <a:prstGeom prst="rect">
+            <a:avLst/>
+          </a:prstGeom>
+          <a:noFill/>
+          <a:ln>
+            <a:noFill/>
+          </a:ln>
+          <a:extLst>
+            <a:ext uri="{909E8E84-426E-40DD-AFC4-6F175D3DCCD1}">
+              <a14:hiddenFill xmlns:a14="http://schemas.microsoft.com/office/drawing/2010/main">
+                <a:solidFill>
+                  <a:schemeClr val="accent1"/>
+                </a:solidFill>
+              </a14:hiddenFill>
+            </a:ext>
+            <a:ext uri="{91240B29-F687-4F45-9708-019B960494DF}">
+              <a14:hiddenLine xmlns:a14="http://schemas.microsoft.com/office/drawing/2010/main" w="9525">
+                <a:solidFill>
+                  <a:schemeClr val="tx1"/>
+                </a:solidFill>
+                <a:miter lim="800000"/>
+                <a:headEnd/>
+                <a:tailEnd/>
+              </a14:hiddenLine>
+            </a:ext>
+          </a:extLst>
+        </p:spPr>
+      </p:pic>
+    </p:spTree>
+    <p:extLst>
+      <p:ext uri="{BB962C8B-B14F-4D97-AF65-F5344CB8AC3E}">
+        <p14:creationId xmlns:p14="http://schemas.microsoft.com/office/powerpoint/2010/main" val="4258590670"/>
+      </p:ext>
+    </p:extLst>
+  </p:cSld>
+  <p:clrMapOvr>
+    <a:masterClrMapping/>
+  </p:clrMapOvr>
+  <p:timing>
+    <p:tnLst>
+      <p:par>
+        <p:cTn id="1" dur="indefinite" restart="never" nodeType="tmRoot"/>
+      </p:par>
+    </p:tnLst>
+  </p:timing>
+</p:sld>
+</file>
+
+<file path=ppt/slides/slide13.xml><?xml version="1.0" encoding="utf-8"?>
+<p:sld xmlns:a="http://schemas.openxmlformats.org/drawingml/2006/main" xmlns:r="http://schemas.openxmlformats.org/officeDocument/2006/relationships" xmlns:p="http://schemas.openxmlformats.org/presentationml/2006/main">
+  <p:cSld>
+    <p:spTree>
+      <p:nvGrpSpPr>
+        <p:cNvPr id="1" name=""/>
+        <p:cNvGrpSpPr/>
+        <p:nvPr/>
+      </p:nvGrpSpPr>
+      <p:grpSpPr>
+        <a:xfrm>
+          <a:off x="0" y="0"/>
+          <a:ext cx="0" cy="0"/>
+          <a:chOff x="0" y="0"/>
+          <a:chExt cx="0" cy="0"/>
+        </a:xfrm>
+      </p:grpSpPr>
+      <p:sp>
+        <p:nvSpPr>
+          <p:cNvPr id="2" name="Title 1"/>
+          <p:cNvSpPr>
+            <a:spLocks noGrp="1"/>
+          </p:cNvSpPr>
+          <p:nvPr>
+            <p:ph type="title"/>
+          </p:nvPr>
+        </p:nvSpPr>
+        <p:spPr/>
+        <p:txBody>
+          <a:bodyPr>
+            <a:normAutofit fontScale="90000"/>
+          </a:bodyPr>
+          <a:lstStyle/>
+          <a:p>
+            <a:pPr marL="571500" lvl="0" indent="-571500"/>
+            <a:r>
+              <a:rPr lang="en-US" smtClean="0"/>
+              <a:t>II. </a:t>
+            </a:r>
+            <a:r>
+              <a:rPr lang="en-US" sz="3100" smtClean="0"/>
+              <a:t>Firebase project setup and Implementation</a:t>
+            </a:r>
+            <a:endParaRPr lang="en-US" sz="3100" dirty="0"/>
+          </a:p>
+        </p:txBody>
+      </p:sp>
+      <p:sp>
+        <p:nvSpPr>
+          <p:cNvPr id="4" name="Content Placeholder 3"/>
+          <p:cNvSpPr>
+            <a:spLocks noGrp="1"/>
+          </p:cNvSpPr>
+          <p:nvPr>
+            <p:ph sz="quarter" idx="1"/>
+          </p:nvPr>
+        </p:nvSpPr>
+        <p:spPr>
+          <a:xfrm>
+            <a:off x="457200" y="1663700"/>
+            <a:ext cx="3673366" cy="4178300"/>
+          </a:xfrm>
+        </p:spPr>
+        <p:txBody>
+          <a:bodyPr/>
+          <a:lstStyle/>
+          <a:p>
+            <a:pPr marL="514350" indent="-514350">
+              <a:buFont typeface="+mj-lt"/>
+              <a:buAutoNum type="arabicPeriod"/>
+            </a:pPr>
+            <a:r>
+              <a:rPr lang="en-US" dirty="0"/>
+              <a:t>Using Firebase Configuration File</a:t>
+            </a:r>
+          </a:p>
+          <a:p>
+            <a:pPr marL="514350" lvl="0" indent="-514350">
+              <a:buFont typeface="+mj-lt"/>
+              <a:buAutoNum type="arabicPeriod"/>
+            </a:pPr>
+            <a:r>
+              <a:rPr lang="en-US" dirty="0"/>
+              <a:t>Enable Authentication </a:t>
+            </a:r>
+            <a:r>
+              <a:rPr lang="en-US" dirty="0" smtClean="0"/>
+              <a:t>Providers</a:t>
+            </a:r>
+            <a:endParaRPr lang="en-US" dirty="0"/>
+          </a:p>
+        </p:txBody>
+      </p:sp>
+      <p:pic>
+        <p:nvPicPr>
+          <p:cNvPr id="6" name="Content Placeholder 5"/>
+          <p:cNvPicPr>
+            <a:picLocks noGrp="1"/>
+          </p:cNvPicPr>
+          <p:nvPr>
+            <p:ph sz="quarter" idx="2"/>
+          </p:nvPr>
+        </p:nvPicPr>
+        <p:blipFill>
+          <a:blip r:embed="rId2"/>
+          <a:stretch>
+            <a:fillRect/>
+          </a:stretch>
+        </p:blipFill>
+        <p:spPr>
+          <a:xfrm>
+            <a:off x="4414345" y="1576552"/>
+            <a:ext cx="4367048" cy="4256689"/>
+          </a:xfrm>
+          <a:prstGeom prst="rect">
+            <a:avLst/>
+          </a:prstGeom>
+        </p:spPr>
+      </p:pic>
+    </p:spTree>
+    <p:extLst>
+      <p:ext uri="{BB962C8B-B14F-4D97-AF65-F5344CB8AC3E}">
+        <p14:creationId xmlns:p14="http://schemas.microsoft.com/office/powerpoint/2010/main" val="4253730079"/>
+      </p:ext>
+    </p:extLst>
+  </p:cSld>
+  <p:clrMapOvr>
+    <a:masterClrMapping/>
+  </p:clrMapOvr>
+  <p:timing>
+    <p:tnLst>
+      <p:par>
+        <p:cTn id="1" dur="indefinite" restart="never" nodeType="tmRoot"/>
+      </p:par>
+    </p:tnLst>
+  </p:timing>
+</p:sld>
+</file>
+
+<file path=ppt/slides/slide14.xml><?xml version="1.0" encoding="utf-8"?>
+<p:sld xmlns:a="http://schemas.openxmlformats.org/drawingml/2006/main" xmlns:r="http://schemas.openxmlformats.org/officeDocument/2006/relationships" xmlns:p="http://schemas.openxmlformats.org/presentationml/2006/main">
+  <p:cSld>
+    <p:spTree>
+      <p:nvGrpSpPr>
+        <p:cNvPr id="1" name=""/>
+        <p:cNvGrpSpPr/>
+        <p:nvPr/>
+      </p:nvGrpSpPr>
+      <p:grpSpPr>
+        <a:xfrm>
+          <a:off x="0" y="0"/>
+          <a:ext cx="0" cy="0"/>
+          <a:chOff x="0" y="0"/>
+          <a:chExt cx="0" cy="0"/>
+        </a:xfrm>
+      </p:grpSpPr>
+      <p:sp>
+        <p:nvSpPr>
+          <p:cNvPr id="2" name="Title 1"/>
+          <p:cNvSpPr>
+            <a:spLocks noGrp="1"/>
+          </p:cNvSpPr>
+          <p:nvPr>
+            <p:ph type="title"/>
+          </p:nvPr>
+        </p:nvSpPr>
+        <p:spPr/>
+        <p:txBody>
+          <a:bodyPr>
+            <a:normAutofit/>
+          </a:bodyPr>
+          <a:lstStyle/>
+          <a:p>
+            <a:r>
+              <a:rPr lang="en-US" sz="4800" dirty="0" smtClean="0"/>
+              <a:t>III. </a:t>
+            </a:r>
+            <a:r>
+              <a:rPr lang="en-US" sz="4400" dirty="0"/>
+              <a:t>Create </a:t>
+            </a:r>
+            <a:r>
+              <a:rPr lang="en-US" sz="4400" dirty="0" smtClean="0"/>
+              <a:t>collections</a:t>
+            </a:r>
+            <a:endParaRPr lang="en-US" sz="4400" dirty="0"/>
+          </a:p>
+        </p:txBody>
+      </p:sp>
+      <p:pic>
+        <p:nvPicPr>
+          <p:cNvPr id="3074" name="Picture 2"/>
+          <p:cNvPicPr>
+            <a:picLocks noGrp="1" noChangeAspect="1" noChangeArrowheads="1"/>
+          </p:cNvPicPr>
+          <p:nvPr>
+            <p:ph sz="quarter" idx="1"/>
+          </p:nvPr>
+        </p:nvPicPr>
+        <p:blipFill>
+          <a:blip r:embed="rId2">
+            <a:extLst>
+              <a:ext uri="{28A0092B-C50C-407E-A947-70E740481C1C}">
+                <a14:useLocalDpi xmlns:a14="http://schemas.microsoft.com/office/drawing/2010/main" val="0"/>
+              </a:ext>
+            </a:extLst>
+          </a:blip>
+          <a:srcRect/>
+          <a:stretch>
+            <a:fillRect/>
+          </a:stretch>
+        </p:blipFill>
+        <p:spPr bwMode="auto">
+          <a:xfrm>
+            <a:off x="257816" y="1261241"/>
+            <a:ext cx="8666166" cy="4950373"/>
+          </a:xfrm>
+          <a:prstGeom prst="rect">
+            <a:avLst/>
+          </a:prstGeom>
+          <a:noFill/>
+          <a:ln>
+            <a:noFill/>
+          </a:ln>
+          <a:effectLst/>
+          <a:extLst>
+            <a:ext uri="{909E8E84-426E-40DD-AFC4-6F175D3DCCD1}">
+              <a14:hiddenFill xmlns:a14="http://schemas.microsoft.com/office/drawing/2010/main">
+                <a:solidFill>
+                  <a:schemeClr val="accent1"/>
+                </a:solidFill>
+              </a14:hiddenFill>
+            </a:ext>
+            <a:ext uri="{91240B29-F687-4F45-9708-019B960494DF}">
+              <a14:hiddenLine xmlns:a14="http://schemas.microsoft.com/office/drawing/2010/main" w="9525">
+                <a:solidFill>
+                  <a:schemeClr val="tx1"/>
+                </a:solidFill>
+                <a:miter lim="800000"/>
+                <a:headEnd/>
+                <a:tailEnd/>
+              </a14:hiddenLine>
+            </a:ext>
+            <a:ext uri="{AF507438-7753-43E0-B8FC-AC1667EBCBE1}">
+              <a14:hiddenEffects xmlns:a14="http://schemas.microsoft.com/office/drawing/2010/main">
+                <a:effectLst>
+                  <a:outerShdw dist="35921" dir="2700000" algn="ctr" rotWithShape="0">
+                    <a:schemeClr val="bg2"/>
+                  </a:outerShdw>
+                </a:effectLst>
+              </a14:hiddenEffects>
+            </a:ext>
+          </a:extLst>
+        </p:spPr>
+      </p:pic>
+    </p:spTree>
+    <p:extLst>
+      <p:ext uri="{BB962C8B-B14F-4D97-AF65-F5344CB8AC3E}">
+        <p14:creationId xmlns:p14="http://schemas.microsoft.com/office/powerpoint/2010/main" val="1118208971"/>
+      </p:ext>
+    </p:extLst>
+  </p:cSld>
+  <p:clrMapOvr>
+    <a:masterClrMapping/>
+  </p:clrMapOvr>
+  <p:timing>
+    <p:tnLst>
+      <p:par>
+        <p:cTn id="1" dur="indefinite" restart="never" nodeType="tmRoot"/>
+      </p:par>
+    </p:tnLst>
+  </p:timing>
+</p:sld>
+</file>
+
+<file path=ppt/slides/slide15.xml><?xml version="1.0" encoding="utf-8"?>
+<p:sld xmlns:a="http://schemas.openxmlformats.org/drawingml/2006/main" xmlns:r="http://schemas.openxmlformats.org/officeDocument/2006/relationships" xmlns:p="http://schemas.openxmlformats.org/presentationml/2006/main">
+  <p:cSld>
+    <p:spTree>
+      <p:nvGrpSpPr>
+        <p:cNvPr id="1" name=""/>
+        <p:cNvGrpSpPr/>
+        <p:nvPr/>
+      </p:nvGrpSpPr>
+      <p:grpSpPr>
+        <a:xfrm>
+          <a:off x="0" y="0"/>
+          <a:ext cx="0" cy="0"/>
+          <a:chOff x="0" y="0"/>
+          <a:chExt cx="0" cy="0"/>
+        </a:xfrm>
+      </p:grpSpPr>
+      <p:sp>
+        <p:nvSpPr>
+          <p:cNvPr id="2" name="Title 1"/>
+          <p:cNvSpPr>
+            <a:spLocks noGrp="1"/>
+          </p:cNvSpPr>
+          <p:nvPr>
+            <p:ph type="title"/>
+          </p:nvPr>
+        </p:nvSpPr>
+        <p:spPr/>
+        <p:txBody>
+          <a:bodyPr/>
+          <a:lstStyle/>
+          <a:p>
+            <a:r>
+              <a:rPr lang="en-US" dirty="0"/>
+              <a:t>IV. Implement CRUD operations</a:t>
+            </a:r>
+          </a:p>
+        </p:txBody>
+      </p:sp>
+      <p:pic>
+        <p:nvPicPr>
+          <p:cNvPr id="3074" name="Picture 2"/>
+          <p:cNvPicPr>
+            <a:picLocks noChangeAspect="1" noChangeArrowheads="1"/>
+          </p:cNvPicPr>
+          <p:nvPr/>
+        </p:nvPicPr>
+        <p:blipFill rotWithShape="1">
+          <a:blip r:embed="rId2">
+            <a:extLst>
+              <a:ext uri="{28A0092B-C50C-407E-A947-70E740481C1C}">
+                <a14:useLocalDpi xmlns:a14="http://schemas.microsoft.com/office/drawing/2010/main" val="0"/>
+              </a:ext>
+            </a:extLst>
+          </a:blip>
+          <a:srcRect l="5330" t="27184" r="2331"/>
+          <a:stretch/>
+        </p:blipFill>
+        <p:spPr bwMode="auto">
+          <a:xfrm>
+            <a:off x="642783" y="1802295"/>
+            <a:ext cx="8090401" cy="3588689"/>
+          </a:xfrm>
+          <a:prstGeom prst="rect">
+            <a:avLst/>
+          </a:prstGeom>
+          <a:noFill/>
+          <a:ln>
+            <a:noFill/>
+          </a:ln>
+          <a:extLst>
+            <a:ext uri="{909E8E84-426E-40DD-AFC4-6F175D3DCCD1}">
+              <a14:hiddenFill xmlns:a14="http://schemas.microsoft.com/office/drawing/2010/main">
+                <a:solidFill>
+                  <a:schemeClr val="accent1"/>
+                </a:solidFill>
+              </a14:hiddenFill>
+            </a:ext>
+            <a:ext uri="{91240B29-F687-4F45-9708-019B960494DF}">
+              <a14:hiddenLine xmlns:a14="http://schemas.microsoft.com/office/drawing/2010/main" w="9525">
+                <a:solidFill>
+                  <a:schemeClr val="tx1"/>
+                </a:solidFill>
+                <a:miter lim="800000"/>
+                <a:headEnd/>
+                <a:tailEnd/>
+              </a14:hiddenLine>
+            </a:ext>
+          </a:extLst>
+        </p:spPr>
+      </p:pic>
+    </p:spTree>
+    <p:extLst>
+      <p:ext uri="{BB962C8B-B14F-4D97-AF65-F5344CB8AC3E}">
+        <p14:creationId xmlns:p14="http://schemas.microsoft.com/office/powerpoint/2010/main" val="3602942023"/>
+      </p:ext>
+    </p:extLst>
+  </p:cSld>
+  <p:clrMapOvr>
+    <a:masterClrMapping/>
+  </p:clrMapOvr>
+  <p:timing>
+    <p:tnLst>
+      <p:par>
+        <p:cTn id="1" dur="indefinite" restart="never" nodeType="tmRoot"/>
+      </p:par>
+    </p:tnLst>
+  </p:timing>
+</p:sld>
+</file>
+
+<file path=ppt/slides/slide16.xml><?xml version="1.0" encoding="utf-8"?>
+<p:sld xmlns:a="http://schemas.openxmlformats.org/drawingml/2006/main" xmlns:r="http://schemas.openxmlformats.org/officeDocument/2006/relationships" xmlns:p="http://schemas.openxmlformats.org/presentationml/2006/main">
+  <p:cSld>
+    <p:spTree>
+      <p:nvGrpSpPr>
+        <p:cNvPr id="1" name=""/>
+        <p:cNvGrpSpPr/>
+        <p:nvPr/>
+      </p:nvGrpSpPr>
+      <p:grpSpPr>
+        <a:xfrm>
+          <a:off x="0" y="0"/>
+          <a:ext cx="0" cy="0"/>
+          <a:chOff x="0" y="0"/>
+          <a:chExt cx="0" cy="0"/>
+        </a:xfrm>
+      </p:grpSpPr>
+      <p:sp>
+        <p:nvSpPr>
+          <p:cNvPr id="2" name="Title 1"/>
+          <p:cNvSpPr>
+            <a:spLocks noGrp="1"/>
+          </p:cNvSpPr>
+          <p:nvPr>
+            <p:ph type="title"/>
+          </p:nvPr>
+        </p:nvSpPr>
+        <p:spPr/>
+        <p:txBody>
+          <a:bodyPr/>
+          <a:lstStyle/>
+          <a:p>
+            <a:r>
+              <a:rPr lang="en-US" dirty="0" smtClean="0"/>
+              <a:t>IV. Implement </a:t>
+            </a:r>
+            <a:r>
+              <a:rPr lang="en-US" dirty="0"/>
+              <a:t>CRUD operations</a:t>
+            </a:r>
+          </a:p>
+        </p:txBody>
+      </p:sp>
+      <p:sp>
+        <p:nvSpPr>
+          <p:cNvPr id="3" name="Content Placeholder 2"/>
+          <p:cNvSpPr>
+            <a:spLocks noGrp="1"/>
+          </p:cNvSpPr>
+          <p:nvPr>
+            <p:ph sz="quarter" idx="1"/>
+          </p:nvPr>
+        </p:nvSpPr>
+        <p:spPr/>
+        <p:txBody>
+          <a:bodyPr>
+            <a:normAutofit/>
+          </a:bodyPr>
+          <a:lstStyle/>
+          <a:p>
+            <a:pPr marL="514350" lvl="0" indent="-514350">
+              <a:buFont typeface="+mj-lt"/>
+              <a:buAutoNum type="arabicPeriod"/>
+            </a:pPr>
+            <a:r>
+              <a:rPr lang="en-US" sz="3200" dirty="0">
+                <a:solidFill>
+                  <a:schemeClr val="tx2"/>
+                </a:solidFill>
+              </a:rPr>
+              <a:t>Adding </a:t>
+            </a:r>
+            <a:r>
+              <a:rPr lang="en-US" sz="3200" dirty="0" smtClean="0">
+                <a:solidFill>
+                  <a:schemeClr val="tx2"/>
+                </a:solidFill>
+              </a:rPr>
+              <a:t>documents</a:t>
+            </a:r>
+            <a:endParaRPr lang="en-US" sz="3200" dirty="0">
+              <a:solidFill>
+                <a:schemeClr val="tx2"/>
+              </a:solidFill>
+            </a:endParaRPr>
+          </a:p>
+          <a:p>
+            <a:pPr lvl="1">
+              <a:buFont typeface="Arial" panose="020B0604020202020204" pitchFamily="34" charset="0"/>
+              <a:buChar char="•"/>
+            </a:pPr>
+            <a:r>
+              <a:rPr lang="en-US" sz="3200" dirty="0"/>
+              <a:t>Users c</a:t>
+            </a:r>
+            <a:r>
+              <a:rPr lang="en-US" sz="3200" dirty="0" smtClean="0"/>
+              <a:t>ollection</a:t>
+            </a:r>
+            <a:endParaRPr lang="en-US" sz="3200" dirty="0"/>
+          </a:p>
+          <a:p>
+            <a:pPr lvl="1">
+              <a:buFont typeface="Arial" panose="020B0604020202020204" pitchFamily="34" charset="0"/>
+              <a:buChar char="•"/>
+            </a:pPr>
+            <a:r>
+              <a:rPr lang="en-US" sz="3200" dirty="0" smtClean="0"/>
+              <a:t>Incidents collection</a:t>
+            </a:r>
+            <a:endParaRPr lang="en-US" sz="3200" dirty="0"/>
+          </a:p>
+          <a:p>
+            <a:pPr lvl="1">
+              <a:buFont typeface="Arial" panose="020B0604020202020204" pitchFamily="34" charset="0"/>
+              <a:buChar char="•"/>
+            </a:pPr>
+            <a:r>
+              <a:rPr lang="en-US" sz="3200" dirty="0" smtClean="0"/>
+              <a:t>Guides collection</a:t>
+            </a:r>
+          </a:p>
+          <a:p>
+            <a:pPr marL="742950" indent="-742950">
+              <a:buFont typeface="+mj-lt"/>
+              <a:buAutoNum type="arabicPeriod"/>
+            </a:pPr>
+            <a:r>
+              <a:rPr lang="en-US" sz="3600" dirty="0" smtClean="0">
+                <a:solidFill>
+                  <a:schemeClr val="tx2"/>
+                </a:solidFill>
+              </a:rPr>
+              <a:t>CRUD operations</a:t>
+            </a:r>
+            <a:endParaRPr lang="en-US" sz="3600" dirty="0">
+              <a:solidFill>
+                <a:schemeClr val="tx2"/>
+              </a:solidFill>
+            </a:endParaRPr>
+          </a:p>
+        </p:txBody>
+      </p:sp>
+    </p:spTree>
+    <p:extLst>
+      <p:ext uri="{BB962C8B-B14F-4D97-AF65-F5344CB8AC3E}">
+        <p14:creationId xmlns:p14="http://schemas.microsoft.com/office/powerpoint/2010/main" val="2585079847"/>
+      </p:ext>
+    </p:extLst>
+  </p:cSld>
+  <p:clrMapOvr>
+    <a:masterClrMapping/>
+  </p:clrMapOvr>
+  <p:timing>
+    <p:tnLst>
+      <p:par>
+        <p:cTn id="1" dur="indefinite" restart="never" nodeType="tmRoot"/>
+      </p:par>
+    </p:tnLst>
+  </p:timing>
+</p:sld>
+</file>
+
+<file path=ppt/slides/slide17.xml><?xml version="1.0" encoding="utf-8"?>
+<p:sld xmlns:a="http://schemas.openxmlformats.org/drawingml/2006/main" xmlns:r="http://schemas.openxmlformats.org/officeDocument/2006/relationships" xmlns:p="http://schemas.openxmlformats.org/presentationml/2006/main">
+  <p:cSld>
+    <p:spTree>
+      <p:nvGrpSpPr>
+        <p:cNvPr id="1" name=""/>
+        <p:cNvGrpSpPr/>
+        <p:nvPr/>
+      </p:nvGrpSpPr>
+      <p:grpSpPr>
+        <a:xfrm>
+          <a:off x="0" y="0"/>
+          <a:ext cx="0" cy="0"/>
+          <a:chOff x="0" y="0"/>
+          <a:chExt cx="0" cy="0"/>
+        </a:xfrm>
+      </p:grpSpPr>
+      <p:sp>
+        <p:nvSpPr>
+          <p:cNvPr id="2" name="Title 1"/>
+          <p:cNvSpPr>
+            <a:spLocks noGrp="1"/>
+          </p:cNvSpPr>
+          <p:nvPr>
+            <p:ph type="title"/>
+          </p:nvPr>
+        </p:nvSpPr>
+        <p:spPr/>
+        <p:txBody>
+          <a:bodyPr/>
+          <a:lstStyle/>
+          <a:p>
+            <a:r>
+              <a:rPr lang="en-US" dirty="0" smtClean="0"/>
+              <a:t>Create</a:t>
+            </a:r>
+            <a:endParaRPr lang="en-US" dirty="0"/>
+          </a:p>
+        </p:txBody>
+      </p:sp>
+      <p:pic>
+        <p:nvPicPr>
+          <p:cNvPr id="4" name="Content Placeholder 3"/>
+          <p:cNvPicPr>
+            <a:picLocks noGrp="1"/>
+          </p:cNvPicPr>
+          <p:nvPr>
+            <p:ph sz="quarter" idx="1"/>
+          </p:nvPr>
+        </p:nvPicPr>
+        <p:blipFill>
+          <a:blip r:embed="rId2"/>
+          <a:stretch>
+            <a:fillRect/>
+          </a:stretch>
+        </p:blipFill>
+        <p:spPr>
+          <a:xfrm>
+            <a:off x="536027" y="1295263"/>
+            <a:ext cx="8229600" cy="2451702"/>
+          </a:xfrm>
+          <a:prstGeom prst="rect">
+            <a:avLst/>
+          </a:prstGeom>
+        </p:spPr>
+      </p:pic>
+      <p:pic>
+        <p:nvPicPr>
+          <p:cNvPr id="4098" name="Picture 2"/>
+          <p:cNvPicPr>
+            <a:picLocks noChangeAspect="1" noChangeArrowheads="1"/>
+          </p:cNvPicPr>
+          <p:nvPr/>
+        </p:nvPicPr>
+        <p:blipFill>
+          <a:blip r:embed="rId3">
+            <a:extLst>
+              <a:ext uri="{28A0092B-C50C-407E-A947-70E740481C1C}">
+                <a14:useLocalDpi xmlns:a14="http://schemas.microsoft.com/office/drawing/2010/main" val="0"/>
+              </a:ext>
+            </a:extLst>
+          </a:blip>
+          <a:srcRect/>
+          <a:stretch>
+            <a:fillRect/>
+          </a:stretch>
+        </p:blipFill>
+        <p:spPr bwMode="auto">
+          <a:xfrm>
+            <a:off x="527378" y="3747924"/>
+            <a:ext cx="8229600" cy="2682910"/>
+          </a:xfrm>
+          <a:prstGeom prst="rect">
+            <a:avLst/>
+          </a:prstGeom>
+          <a:noFill/>
+          <a:ln>
+            <a:noFill/>
+          </a:ln>
+          <a:effectLst/>
+          <a:extLst>
+            <a:ext uri="{909E8E84-426E-40DD-AFC4-6F175D3DCCD1}">
+              <a14:hiddenFill xmlns:a14="http://schemas.microsoft.com/office/drawing/2010/main">
+                <a:solidFill>
+                  <a:schemeClr val="accent1"/>
+                </a:solidFill>
+              </a14:hiddenFill>
+            </a:ext>
+            <a:ext uri="{91240B29-F687-4F45-9708-019B960494DF}">
+              <a14:hiddenLine xmlns:a14="http://schemas.microsoft.com/office/drawing/2010/main" w="9525">
+                <a:solidFill>
+                  <a:schemeClr val="tx1"/>
+                </a:solidFill>
+                <a:miter lim="800000"/>
+                <a:headEnd/>
+                <a:tailEnd/>
+              </a14:hiddenLine>
+            </a:ext>
+            <a:ext uri="{AF507438-7753-43E0-B8FC-AC1667EBCBE1}">
+              <a14:hiddenEffects xmlns:a14="http://schemas.microsoft.com/office/drawing/2010/main">
+                <a:effectLst>
+                  <a:outerShdw dist="35921" dir="2700000" algn="ctr" rotWithShape="0">
+                    <a:schemeClr val="bg2"/>
+                  </a:outerShdw>
+                </a:effectLst>
+              </a14:hiddenEffects>
+            </a:ext>
+          </a:extLst>
+        </p:spPr>
+      </p:pic>
+    </p:spTree>
+    <p:extLst>
+      <p:ext uri="{BB962C8B-B14F-4D97-AF65-F5344CB8AC3E}">
+        <p14:creationId xmlns:p14="http://schemas.microsoft.com/office/powerpoint/2010/main" val="2475697159"/>
+      </p:ext>
+    </p:extLst>
+  </p:cSld>
+  <p:clrMapOvr>
+    <a:masterClrMapping/>
+  </p:clrMapOvr>
+  <p:timing>
+    <p:tnLst>
+      <p:par>
+        <p:cTn id="1" dur="indefinite" restart="never" nodeType="tmRoot"/>
+      </p:par>
+    </p:tnLst>
+  </p:timing>
+</p:sld>
+</file>
+
+<file path=ppt/slides/slide18.xml><?xml version="1.0" encoding="utf-8"?>
+<p:sld xmlns:a="http://schemas.openxmlformats.org/drawingml/2006/main" xmlns:r="http://schemas.openxmlformats.org/officeDocument/2006/relationships" xmlns:p="http://schemas.openxmlformats.org/presentationml/2006/main">
+  <p:cSld>
+    <p:spTree>
+      <p:nvGrpSpPr>
+        <p:cNvPr id="1" name=""/>
+        <p:cNvGrpSpPr/>
+        <p:nvPr/>
+      </p:nvGrpSpPr>
+      <p:grpSpPr>
+        <a:xfrm>
+          <a:off x="0" y="0"/>
+          <a:ext cx="0" cy="0"/>
+          <a:chOff x="0" y="0"/>
+          <a:chExt cx="0" cy="0"/>
+        </a:xfrm>
+      </p:grpSpPr>
+      <p:sp>
+        <p:nvSpPr>
+          <p:cNvPr id="2" name="Title 1"/>
+          <p:cNvSpPr>
+            <a:spLocks noGrp="1"/>
+          </p:cNvSpPr>
+          <p:nvPr>
+            <p:ph type="title"/>
+          </p:nvPr>
+        </p:nvSpPr>
+        <p:spPr/>
+        <p:txBody>
+          <a:bodyPr/>
+          <a:lstStyle/>
+          <a:p>
+            <a:r>
+              <a:rPr lang="en-US" dirty="0" smtClean="0"/>
+              <a:t>Read</a:t>
+            </a:r>
+            <a:endParaRPr lang="en-US" dirty="0"/>
+          </a:p>
+        </p:txBody>
+      </p:sp>
+      <p:pic>
+        <p:nvPicPr>
+          <p:cNvPr id="4" name="Content Placeholder 3"/>
+          <p:cNvPicPr>
+            <a:picLocks noGrp="1"/>
+          </p:cNvPicPr>
+          <p:nvPr>
+            <p:ph sz="quarter" idx="1"/>
+          </p:nvPr>
+        </p:nvPicPr>
+        <p:blipFill>
+          <a:blip r:embed="rId2"/>
+          <a:stretch>
+            <a:fillRect/>
+          </a:stretch>
+        </p:blipFill>
+        <p:spPr>
+          <a:xfrm>
+            <a:off x="457200" y="1183268"/>
+            <a:ext cx="8229600" cy="2647753"/>
+          </a:xfrm>
+          <a:prstGeom prst="rect">
+            <a:avLst/>
+          </a:prstGeom>
+        </p:spPr>
+      </p:pic>
+      <p:pic>
+        <p:nvPicPr>
+          <p:cNvPr id="5" name="Picture 4"/>
+          <p:cNvPicPr/>
+          <p:nvPr/>
+        </p:nvPicPr>
+        <p:blipFill>
+          <a:blip r:embed="rId3"/>
+          <a:stretch>
+            <a:fillRect/>
+          </a:stretch>
+        </p:blipFill>
+        <p:spPr>
+          <a:xfrm>
+            <a:off x="469900" y="3805160"/>
+            <a:ext cx="8213834" cy="2653030"/>
+          </a:xfrm>
+          <a:prstGeom prst="rect">
+            <a:avLst/>
+          </a:prstGeom>
+        </p:spPr>
+      </p:pic>
+    </p:spTree>
+    <p:extLst>
+      <p:ext uri="{BB962C8B-B14F-4D97-AF65-F5344CB8AC3E}">
+        <p14:creationId xmlns:p14="http://schemas.microsoft.com/office/powerpoint/2010/main" val="1628496817"/>
+      </p:ext>
+    </p:extLst>
+  </p:cSld>
+  <p:clrMapOvr>
+    <a:masterClrMapping/>
+  </p:clrMapOvr>
+  <p:timing>
+    <p:tnLst>
+      <p:par>
+        <p:cTn id="1" dur="indefinite" restart="never" nodeType="tmRoot"/>
+      </p:par>
+    </p:tnLst>
+  </p:timing>
+</p:sld>
+</file>
+
+<file path=ppt/slides/slide19.xml><?xml version="1.0" encoding="utf-8"?>
+<p:sld xmlns:a="http://schemas.openxmlformats.org/drawingml/2006/main" xmlns:r="http://schemas.openxmlformats.org/officeDocument/2006/relationships" xmlns:p="http://schemas.openxmlformats.org/presentationml/2006/main">
+  <p:cSld>
+    <p:spTree>
+      <p:nvGrpSpPr>
+        <p:cNvPr id="1" name=""/>
+        <p:cNvGrpSpPr/>
+        <p:nvPr/>
+      </p:nvGrpSpPr>
+      <p:grpSpPr>
+        <a:xfrm>
+          <a:off x="0" y="0"/>
+          <a:ext cx="0" cy="0"/>
+          <a:chOff x="0" y="0"/>
+          <a:chExt cx="0" cy="0"/>
+        </a:xfrm>
+      </p:grpSpPr>
+      <p:sp>
+        <p:nvSpPr>
+          <p:cNvPr id="2" name="Title 1"/>
+          <p:cNvSpPr>
+            <a:spLocks noGrp="1"/>
+          </p:cNvSpPr>
+          <p:nvPr>
+            <p:ph type="title"/>
+          </p:nvPr>
+        </p:nvSpPr>
+        <p:spPr/>
+        <p:txBody>
+          <a:bodyPr/>
+          <a:lstStyle/>
+          <a:p>
+            <a:r>
+              <a:rPr lang="en-US" dirty="0" smtClean="0"/>
+              <a:t>Update</a:t>
+            </a:r>
+            <a:endParaRPr lang="en-US" dirty="0"/>
+          </a:p>
+        </p:txBody>
+      </p:sp>
+      <p:pic>
+        <p:nvPicPr>
+          <p:cNvPr id="4" name="Content Placeholder 3"/>
+          <p:cNvPicPr>
+            <a:picLocks noGrp="1"/>
+          </p:cNvPicPr>
+          <p:nvPr>
+            <p:ph sz="quarter" idx="1"/>
+          </p:nvPr>
+        </p:nvPicPr>
+        <p:blipFill>
+          <a:blip r:embed="rId2"/>
+          <a:stretch>
+            <a:fillRect/>
+          </a:stretch>
+        </p:blipFill>
+        <p:spPr>
+          <a:xfrm>
+            <a:off x="568707" y="1148036"/>
+            <a:ext cx="8149624" cy="2809109"/>
+          </a:xfrm>
+          <a:prstGeom prst="rect">
+            <a:avLst/>
+          </a:prstGeom>
+        </p:spPr>
+      </p:pic>
+      <p:pic>
+        <p:nvPicPr>
+          <p:cNvPr id="5" name="Picture 4"/>
+          <p:cNvPicPr/>
+          <p:nvPr/>
+        </p:nvPicPr>
+        <p:blipFill>
+          <a:blip r:embed="rId3"/>
+          <a:stretch>
+            <a:fillRect/>
+          </a:stretch>
+        </p:blipFill>
+        <p:spPr>
+          <a:xfrm>
+            <a:off x="569342" y="3941203"/>
+            <a:ext cx="8147304" cy="2554189"/>
+          </a:xfrm>
+          <a:prstGeom prst="rect">
+            <a:avLst/>
+          </a:prstGeom>
+        </p:spPr>
+      </p:pic>
+    </p:spTree>
+    <p:extLst>
+      <p:ext uri="{BB962C8B-B14F-4D97-AF65-F5344CB8AC3E}">
+        <p14:creationId xmlns:p14="http://schemas.microsoft.com/office/powerpoint/2010/main" val="206360075"/>
+      </p:ext>
+    </p:extLst>
+  </p:cSld>
+  <p:clrMapOvr>
+    <a:masterClrMapping/>
+  </p:clrMapOvr>
+  <p:timing>
+    <p:tnLst>
+      <p:par>
+        <p:cTn id="1" dur="indefinite" restart="never" nodeType="tmRoot"/>
+      </p:par>
+    </p:tnLst>
+  </p:timing>
 </p:sld>
 </file>
 
@@ -4313,6 +6245,56 @@
               <a:buFont typeface="+mj-lt"/>
               <a:buAutoNum type="arabicPeriod"/>
             </a:pPr>
+            <a:r>
+              <a:rPr lang="en-US" sz="3200" dirty="0" smtClean="0">
+                <a:solidFill>
+                  <a:schemeClr val="tx2"/>
+                </a:solidFill>
+              </a:rPr>
+              <a:t>Introduction</a:t>
+            </a:r>
+          </a:p>
+          <a:p>
+            <a:pPr marL="514350" lvl="0" indent="-514350">
+              <a:buFont typeface="+mj-lt"/>
+              <a:buAutoNum type="arabicPeriod"/>
+            </a:pPr>
+            <a:r>
+              <a:rPr lang="en-US" sz="3200" dirty="0" smtClean="0">
+                <a:solidFill>
+                  <a:schemeClr val="tx2"/>
+                </a:solidFill>
+              </a:rPr>
+              <a:t>Database Design</a:t>
+            </a:r>
+          </a:p>
+          <a:p>
+            <a:pPr marL="514350" lvl="0" indent="-514350">
+              <a:buFont typeface="+mj-lt"/>
+              <a:buAutoNum type="arabicPeriod"/>
+            </a:pPr>
+            <a:r>
+              <a:rPr lang="en-US" sz="3200" dirty="0" smtClean="0">
+                <a:solidFill>
+                  <a:schemeClr val="tx2"/>
+                </a:solidFill>
+              </a:rPr>
+              <a:t>Database Implementation</a:t>
+            </a:r>
+          </a:p>
+          <a:p>
+            <a:pPr marL="514350" lvl="0" indent="-514350">
+              <a:buFont typeface="+mj-lt"/>
+              <a:buAutoNum type="arabicPeriod"/>
+            </a:pPr>
+            <a:r>
+              <a:rPr lang="en-US" sz="3200" dirty="0" smtClean="0">
+                <a:solidFill>
+                  <a:schemeClr val="tx2"/>
+                </a:solidFill>
+              </a:rPr>
+              <a:t>Database Security</a:t>
+            </a:r>
             <a:endParaRPr lang="en-US" sz="3200" dirty="0">
               <a:solidFill>
                 <a:schemeClr val="tx2"/>
@@ -4331,6 +6313,744 @@
   <p:clrMapOvr>
     <a:masterClrMapping/>
   </p:clrMapOvr>
+  <p:timing>
+    <p:tnLst>
+      <p:par>
+        <p:cTn id="1" dur="indefinite" restart="never" nodeType="tmRoot"/>
+      </p:par>
+    </p:tnLst>
+  </p:timing>
+</p:sld>
+</file>
+
+<file path=ppt/slides/slide20.xml><?xml version="1.0" encoding="utf-8"?>
+<p:sld xmlns:a="http://schemas.openxmlformats.org/drawingml/2006/main" xmlns:r="http://schemas.openxmlformats.org/officeDocument/2006/relationships" xmlns:p="http://schemas.openxmlformats.org/presentationml/2006/main">
+  <p:cSld>
+    <p:spTree>
+      <p:nvGrpSpPr>
+        <p:cNvPr id="1" name=""/>
+        <p:cNvGrpSpPr/>
+        <p:nvPr/>
+      </p:nvGrpSpPr>
+      <p:grpSpPr>
+        <a:xfrm>
+          <a:off x="0" y="0"/>
+          <a:ext cx="0" cy="0"/>
+          <a:chOff x="0" y="0"/>
+          <a:chExt cx="0" cy="0"/>
+        </a:xfrm>
+      </p:grpSpPr>
+      <p:sp>
+        <p:nvSpPr>
+          <p:cNvPr id="2" name="Title 1"/>
+          <p:cNvSpPr>
+            <a:spLocks noGrp="1"/>
+          </p:cNvSpPr>
+          <p:nvPr>
+            <p:ph type="title"/>
+          </p:nvPr>
+        </p:nvSpPr>
+        <p:spPr/>
+        <p:txBody>
+          <a:bodyPr/>
+          <a:lstStyle/>
+          <a:p>
+            <a:r>
+              <a:rPr lang="en-US" dirty="0" smtClean="0"/>
+              <a:t>Delete</a:t>
+            </a:r>
+            <a:endParaRPr lang="en-US" dirty="0"/>
+          </a:p>
+        </p:txBody>
+      </p:sp>
+      <p:pic>
+        <p:nvPicPr>
+          <p:cNvPr id="4" name="Content Placeholder 3"/>
+          <p:cNvPicPr>
+            <a:picLocks noGrp="1"/>
+          </p:cNvPicPr>
+          <p:nvPr>
+            <p:ph sz="quarter" idx="1"/>
+          </p:nvPr>
+        </p:nvPicPr>
+        <p:blipFill>
+          <a:blip r:embed="rId2"/>
+          <a:stretch>
+            <a:fillRect/>
+          </a:stretch>
+        </p:blipFill>
+        <p:spPr>
+          <a:xfrm>
+            <a:off x="1032696" y="1245476"/>
+            <a:ext cx="7269480" cy="2648608"/>
+          </a:xfrm>
+          <a:prstGeom prst="rect">
+            <a:avLst/>
+          </a:prstGeom>
+        </p:spPr>
+      </p:pic>
+      <p:pic>
+        <p:nvPicPr>
+          <p:cNvPr id="5" name="Picture 4"/>
+          <p:cNvPicPr/>
+          <p:nvPr/>
+        </p:nvPicPr>
+        <p:blipFill>
+          <a:blip r:embed="rId3"/>
+          <a:stretch>
+            <a:fillRect/>
+          </a:stretch>
+        </p:blipFill>
+        <p:spPr>
+          <a:xfrm>
+            <a:off x="1027825" y="3878318"/>
+            <a:ext cx="7267904" cy="2475186"/>
+          </a:xfrm>
+          <a:prstGeom prst="rect">
+            <a:avLst/>
+          </a:prstGeom>
+        </p:spPr>
+      </p:pic>
+    </p:spTree>
+    <p:extLst>
+      <p:ext uri="{BB962C8B-B14F-4D97-AF65-F5344CB8AC3E}">
+        <p14:creationId xmlns:p14="http://schemas.microsoft.com/office/powerpoint/2010/main" val="4123167864"/>
+      </p:ext>
+    </p:extLst>
+  </p:cSld>
+  <p:clrMapOvr>
+    <a:masterClrMapping/>
+  </p:clrMapOvr>
+  <p:timing>
+    <p:tnLst>
+      <p:par>
+        <p:cTn id="1" dur="indefinite" restart="never" nodeType="tmRoot"/>
+      </p:par>
+    </p:tnLst>
+  </p:timing>
+</p:sld>
+</file>
+
+<file path=ppt/slides/slide21.xml><?xml version="1.0" encoding="utf-8"?>
+<p:sld xmlns:a="http://schemas.openxmlformats.org/drawingml/2006/main" xmlns:r="http://schemas.openxmlformats.org/officeDocument/2006/relationships" xmlns:p="http://schemas.openxmlformats.org/presentationml/2006/main">
+  <p:cSld>
+    <p:spTree>
+      <p:nvGrpSpPr>
+        <p:cNvPr id="1" name=""/>
+        <p:cNvGrpSpPr/>
+        <p:nvPr/>
+      </p:nvGrpSpPr>
+      <p:grpSpPr>
+        <a:xfrm>
+          <a:off x="0" y="0"/>
+          <a:ext cx="0" cy="0"/>
+          <a:chOff x="0" y="0"/>
+          <a:chExt cx="0" cy="0"/>
+        </a:xfrm>
+      </p:grpSpPr>
+      <p:sp>
+        <p:nvSpPr>
+          <p:cNvPr id="2" name="Title 1"/>
+          <p:cNvSpPr>
+            <a:spLocks noGrp="1"/>
+          </p:cNvSpPr>
+          <p:nvPr>
+            <p:ph type="title"/>
+          </p:nvPr>
+        </p:nvSpPr>
+        <p:spPr/>
+        <p:txBody>
+          <a:bodyPr/>
+          <a:lstStyle/>
+          <a:p>
+            <a:r>
+              <a:rPr lang="en-US" dirty="0" smtClean="0"/>
+              <a:t>V. Data Validation</a:t>
+            </a:r>
+            <a:endParaRPr lang="en-US" dirty="0"/>
+          </a:p>
+        </p:txBody>
+      </p:sp>
+      <p:pic>
+        <p:nvPicPr>
+          <p:cNvPr id="2051" name="Picture 3"/>
+          <p:cNvPicPr>
+            <a:picLocks noChangeAspect="1" noChangeArrowheads="1"/>
+          </p:cNvPicPr>
+          <p:nvPr/>
+        </p:nvPicPr>
+        <p:blipFill>
+          <a:blip r:embed="rId2">
+            <a:extLst>
+              <a:ext uri="{28A0092B-C50C-407E-A947-70E740481C1C}">
+                <a14:useLocalDpi xmlns:a14="http://schemas.microsoft.com/office/drawing/2010/main" val="0"/>
+              </a:ext>
+            </a:extLst>
+          </a:blip>
+          <a:srcRect/>
+          <a:stretch>
+            <a:fillRect/>
+          </a:stretch>
+        </p:blipFill>
+        <p:spPr bwMode="auto">
+          <a:xfrm>
+            <a:off x="1066800" y="1275420"/>
+            <a:ext cx="7140236" cy="5023779"/>
+          </a:xfrm>
+          <a:prstGeom prst="rect">
+            <a:avLst/>
+          </a:prstGeom>
+          <a:noFill/>
+          <a:ln>
+            <a:noFill/>
+          </a:ln>
+          <a:extLst>
+            <a:ext uri="{909E8E84-426E-40DD-AFC4-6F175D3DCCD1}">
+              <a14:hiddenFill xmlns:a14="http://schemas.microsoft.com/office/drawing/2010/main">
+                <a:solidFill>
+                  <a:schemeClr val="accent1"/>
+                </a:solidFill>
+              </a14:hiddenFill>
+            </a:ext>
+            <a:ext uri="{91240B29-F687-4F45-9708-019B960494DF}">
+              <a14:hiddenLine xmlns:a14="http://schemas.microsoft.com/office/drawing/2010/main" w="9525">
+                <a:solidFill>
+                  <a:schemeClr val="tx1"/>
+                </a:solidFill>
+                <a:miter lim="800000"/>
+                <a:headEnd/>
+                <a:tailEnd/>
+              </a14:hiddenLine>
+            </a:ext>
+          </a:extLst>
+        </p:spPr>
+      </p:pic>
+    </p:spTree>
+    <p:extLst>
+      <p:ext uri="{BB962C8B-B14F-4D97-AF65-F5344CB8AC3E}">
+        <p14:creationId xmlns:p14="http://schemas.microsoft.com/office/powerpoint/2010/main" val="57935001"/>
+      </p:ext>
+    </p:extLst>
+  </p:cSld>
+  <p:clrMapOvr>
+    <a:masterClrMapping/>
+  </p:clrMapOvr>
+  <p:timing>
+    <p:tnLst>
+      <p:par>
+        <p:cTn id="1" dur="indefinite" restart="never" nodeType="tmRoot"/>
+      </p:par>
+    </p:tnLst>
+  </p:timing>
+</p:sld>
+</file>
+
+<file path=ppt/slides/slide22.xml><?xml version="1.0" encoding="utf-8"?>
+<p:sld xmlns:a="http://schemas.openxmlformats.org/drawingml/2006/main" xmlns:r="http://schemas.openxmlformats.org/officeDocument/2006/relationships" xmlns:p="http://schemas.openxmlformats.org/presentationml/2006/main">
+  <p:cSld>
+    <p:spTree>
+      <p:nvGrpSpPr>
+        <p:cNvPr id="1" name=""/>
+        <p:cNvGrpSpPr/>
+        <p:nvPr/>
+      </p:nvGrpSpPr>
+      <p:grpSpPr>
+        <a:xfrm>
+          <a:off x="0" y="0"/>
+          <a:ext cx="0" cy="0"/>
+          <a:chOff x="0" y="0"/>
+          <a:chExt cx="0" cy="0"/>
+        </a:xfrm>
+      </p:grpSpPr>
+      <p:sp>
+        <p:nvSpPr>
+          <p:cNvPr id="2" name="Title 1"/>
+          <p:cNvSpPr>
+            <a:spLocks noGrp="1"/>
+          </p:cNvSpPr>
+          <p:nvPr>
+            <p:ph type="title"/>
+          </p:nvPr>
+        </p:nvSpPr>
+        <p:spPr/>
+        <p:txBody>
+          <a:bodyPr/>
+          <a:lstStyle/>
+          <a:p>
+            <a:r>
+              <a:rPr lang="en-US" dirty="0" smtClean="0"/>
+              <a:t>V. Data Validation</a:t>
+            </a:r>
+            <a:endParaRPr lang="en-US" dirty="0"/>
+          </a:p>
+        </p:txBody>
+      </p:sp>
+      <p:sp>
+        <p:nvSpPr>
+          <p:cNvPr id="3" name="Content Placeholder 2"/>
+          <p:cNvSpPr>
+            <a:spLocks noGrp="1"/>
+          </p:cNvSpPr>
+          <p:nvPr>
+            <p:ph sz="quarter" idx="1"/>
+          </p:nvPr>
+        </p:nvSpPr>
+        <p:spPr/>
+        <p:txBody>
+          <a:bodyPr>
+            <a:normAutofit/>
+          </a:bodyPr>
+          <a:lstStyle/>
+          <a:p>
+            <a:pPr lvl="0">
+              <a:buFont typeface="Arial" panose="020B0604020202020204" pitchFamily="34" charset="0"/>
+              <a:buChar char="•"/>
+            </a:pPr>
+            <a:r>
+              <a:rPr lang="en-US" sz="3200" dirty="0">
+                <a:solidFill>
+                  <a:schemeClr val="tx2"/>
+                </a:solidFill>
+              </a:rPr>
+              <a:t>Data Type Validation</a:t>
+            </a:r>
+          </a:p>
+          <a:p>
+            <a:pPr lvl="0">
+              <a:buFont typeface="Arial" panose="020B0604020202020204" pitchFamily="34" charset="0"/>
+              <a:buChar char="•"/>
+            </a:pPr>
+            <a:r>
+              <a:rPr lang="en-US" sz="3200" dirty="0">
+                <a:solidFill>
+                  <a:schemeClr val="tx2"/>
+                </a:solidFill>
+              </a:rPr>
+              <a:t>Required Fields</a:t>
+            </a:r>
+          </a:p>
+          <a:p>
+            <a:pPr lvl="0">
+              <a:buFont typeface="Arial" panose="020B0604020202020204" pitchFamily="34" charset="0"/>
+              <a:buChar char="•"/>
+            </a:pPr>
+            <a:r>
+              <a:rPr lang="en-US" sz="3200" dirty="0">
+                <a:solidFill>
+                  <a:schemeClr val="tx2"/>
+                </a:solidFill>
+              </a:rPr>
+              <a:t>Pattern </a:t>
+            </a:r>
+            <a:r>
+              <a:rPr lang="en-US" sz="3200" dirty="0" smtClean="0">
+                <a:solidFill>
+                  <a:schemeClr val="tx2"/>
+                </a:solidFill>
+              </a:rPr>
+              <a:t>Matching</a:t>
+            </a:r>
+          </a:p>
+          <a:p>
+            <a:pPr marL="0" indent="0">
+              <a:buNone/>
+            </a:pPr>
+            <a:endParaRPr lang="en-US" sz="3200" dirty="0">
+              <a:solidFill>
+                <a:schemeClr val="tx2"/>
+              </a:solidFill>
+            </a:endParaRPr>
+          </a:p>
+        </p:txBody>
+      </p:sp>
+      <p:sp>
+        <p:nvSpPr>
+          <p:cNvPr id="4" name="Content Placeholder 3"/>
+          <p:cNvSpPr>
+            <a:spLocks noGrp="1"/>
+          </p:cNvSpPr>
+          <p:nvPr>
+            <p:ph sz="quarter" idx="2"/>
+          </p:nvPr>
+        </p:nvSpPr>
+        <p:spPr/>
+        <p:txBody>
+          <a:bodyPr>
+            <a:normAutofit/>
+          </a:bodyPr>
+          <a:lstStyle/>
+          <a:p>
+            <a:pPr marL="0" indent="0">
+              <a:buNone/>
+            </a:pPr>
+            <a:r>
+              <a:rPr lang="en-US" sz="2800" dirty="0">
+                <a:solidFill>
+                  <a:schemeClr val="tx2"/>
+                </a:solidFill>
+              </a:rPr>
+              <a:t>Integration with CRUD Operations</a:t>
+            </a:r>
+          </a:p>
+          <a:p>
+            <a:pPr lvl="0">
+              <a:buFont typeface="Arial" panose="020B0604020202020204" pitchFamily="34" charset="0"/>
+              <a:buChar char="•"/>
+            </a:pPr>
+            <a:r>
+              <a:rPr lang="en-US" sz="2800" dirty="0">
+                <a:solidFill>
+                  <a:schemeClr val="tx2"/>
+                </a:solidFill>
+              </a:rPr>
+              <a:t>Create</a:t>
+            </a:r>
+          </a:p>
+          <a:p>
+            <a:pPr lvl="0">
+              <a:buFont typeface="Arial" panose="020B0604020202020204" pitchFamily="34" charset="0"/>
+              <a:buChar char="•"/>
+            </a:pPr>
+            <a:r>
+              <a:rPr lang="en-US" sz="2800" dirty="0">
+                <a:solidFill>
+                  <a:schemeClr val="tx2"/>
+                </a:solidFill>
+              </a:rPr>
+              <a:t>Read</a:t>
+            </a:r>
+          </a:p>
+          <a:p>
+            <a:pPr lvl="0">
+              <a:buFont typeface="Arial" panose="020B0604020202020204" pitchFamily="34" charset="0"/>
+              <a:buChar char="•"/>
+            </a:pPr>
+            <a:r>
+              <a:rPr lang="en-US" sz="2800" dirty="0">
+                <a:solidFill>
+                  <a:schemeClr val="tx2"/>
+                </a:solidFill>
+              </a:rPr>
+              <a:t>Update</a:t>
+            </a:r>
+          </a:p>
+          <a:p>
+            <a:pPr lvl="0">
+              <a:buFont typeface="Arial" panose="020B0604020202020204" pitchFamily="34" charset="0"/>
+              <a:buChar char="•"/>
+            </a:pPr>
+            <a:r>
+              <a:rPr lang="en-US" sz="2800" dirty="0" smtClean="0">
+                <a:solidFill>
+                  <a:schemeClr val="tx2"/>
+                </a:solidFill>
+              </a:rPr>
+              <a:t>Delete</a:t>
+            </a:r>
+            <a:endParaRPr lang="en-US" sz="2800" dirty="0">
+              <a:solidFill>
+                <a:schemeClr val="tx2"/>
+              </a:solidFill>
+            </a:endParaRPr>
+          </a:p>
+        </p:txBody>
+      </p:sp>
+    </p:spTree>
+    <p:extLst>
+      <p:ext uri="{BB962C8B-B14F-4D97-AF65-F5344CB8AC3E}">
+        <p14:creationId xmlns:p14="http://schemas.microsoft.com/office/powerpoint/2010/main" val="1415555685"/>
+      </p:ext>
+    </p:extLst>
+  </p:cSld>
+  <p:clrMapOvr>
+    <a:masterClrMapping/>
+  </p:clrMapOvr>
+  <p:timing>
+    <p:tnLst>
+      <p:par>
+        <p:cTn id="1" dur="indefinite" restart="never" nodeType="tmRoot"/>
+      </p:par>
+    </p:tnLst>
+  </p:timing>
+</p:sld>
+</file>
+
+<file path=ppt/slides/slide23.xml><?xml version="1.0" encoding="utf-8"?>
+<p:sld xmlns:a="http://schemas.openxmlformats.org/drawingml/2006/main" xmlns:r="http://schemas.openxmlformats.org/officeDocument/2006/relationships" xmlns:p="http://schemas.openxmlformats.org/presentationml/2006/main">
+  <p:cSld>
+    <p:spTree>
+      <p:nvGrpSpPr>
+        <p:cNvPr id="1" name=""/>
+        <p:cNvGrpSpPr/>
+        <p:nvPr/>
+      </p:nvGrpSpPr>
+      <p:grpSpPr>
+        <a:xfrm>
+          <a:off x="0" y="0"/>
+          <a:ext cx="0" cy="0"/>
+          <a:chOff x="0" y="0"/>
+          <a:chExt cx="0" cy="0"/>
+        </a:xfrm>
+      </p:grpSpPr>
+      <p:sp>
+        <p:nvSpPr>
+          <p:cNvPr id="2" name="Title 1"/>
+          <p:cNvSpPr>
+            <a:spLocks noGrp="1"/>
+          </p:cNvSpPr>
+          <p:nvPr>
+            <p:ph type="title"/>
+          </p:nvPr>
+        </p:nvSpPr>
+        <p:spPr/>
+        <p:txBody>
+          <a:bodyPr/>
+          <a:lstStyle/>
+          <a:p>
+            <a:r>
+              <a:rPr lang="en-US" dirty="0" smtClean="0"/>
+              <a:t>4. Database Security</a:t>
+            </a:r>
+            <a:endParaRPr lang="en-US" dirty="0"/>
+          </a:p>
+        </p:txBody>
+      </p:sp>
+      <p:sp>
+        <p:nvSpPr>
+          <p:cNvPr id="3" name="Content Placeholder 2"/>
+          <p:cNvSpPr>
+            <a:spLocks noGrp="1"/>
+          </p:cNvSpPr>
+          <p:nvPr>
+            <p:ph sz="quarter" idx="1"/>
+          </p:nvPr>
+        </p:nvSpPr>
+        <p:spPr>
+          <a:xfrm>
+            <a:off x="406400" y="1282700"/>
+            <a:ext cx="4521200" cy="4937760"/>
+          </a:xfrm>
+        </p:spPr>
+        <p:txBody>
+          <a:bodyPr>
+            <a:normAutofit/>
+          </a:bodyPr>
+          <a:lstStyle/>
+          <a:p>
+            <a:pPr marL="0" indent="0">
+              <a:buNone/>
+            </a:pPr>
+            <a:endParaRPr lang="en-US" dirty="0" smtClean="0">
+              <a:solidFill>
+                <a:schemeClr val="tx2"/>
+              </a:solidFill>
+            </a:endParaRPr>
+          </a:p>
+          <a:p>
+            <a:pPr marL="0" indent="0">
+              <a:buNone/>
+            </a:pPr>
+            <a:endParaRPr lang="en-US" dirty="0" smtClean="0">
+              <a:solidFill>
+                <a:schemeClr val="tx2"/>
+              </a:solidFill>
+            </a:endParaRPr>
+          </a:p>
+          <a:p>
+            <a:pPr marL="514350" indent="-514350">
+              <a:buFont typeface="+mj-lt"/>
+              <a:buAutoNum type="arabicPeriod"/>
+            </a:pPr>
+            <a:r>
+              <a:rPr lang="en-US" dirty="0" smtClean="0">
+                <a:solidFill>
+                  <a:schemeClr val="tx2"/>
+                </a:solidFill>
+              </a:rPr>
+              <a:t>Data </a:t>
+            </a:r>
+            <a:r>
+              <a:rPr lang="en-US" dirty="0" smtClean="0">
+                <a:solidFill>
+                  <a:schemeClr val="tx2"/>
+                </a:solidFill>
+              </a:rPr>
+              <a:t>Protection and Privacy</a:t>
+            </a:r>
+          </a:p>
+          <a:p>
+            <a:pPr marL="514350" indent="-514350">
+              <a:buFont typeface="+mj-lt"/>
+              <a:buAutoNum type="arabicPeriod"/>
+            </a:pPr>
+            <a:r>
+              <a:rPr lang="en-US" dirty="0" smtClean="0">
+                <a:solidFill>
+                  <a:schemeClr val="tx2"/>
+                </a:solidFill>
+              </a:rPr>
+              <a:t>Encryption</a:t>
+            </a:r>
+          </a:p>
+          <a:p>
+            <a:pPr marL="514350" indent="-514350">
+              <a:buFont typeface="+mj-lt"/>
+              <a:buAutoNum type="arabicPeriod"/>
+            </a:pPr>
+            <a:r>
+              <a:rPr lang="en-US" dirty="0" smtClean="0">
+                <a:solidFill>
+                  <a:schemeClr val="tx2"/>
+                </a:solidFill>
+              </a:rPr>
+              <a:t>Access Control</a:t>
+            </a:r>
+            <a:endParaRPr lang="en-US" dirty="0">
+              <a:solidFill>
+                <a:schemeClr val="tx2"/>
+              </a:solidFill>
+            </a:endParaRPr>
+          </a:p>
+        </p:txBody>
+      </p:sp>
+      <p:pic>
+        <p:nvPicPr>
+          <p:cNvPr id="1028" name="Picture 4"/>
+          <p:cNvPicPr>
+            <a:picLocks noChangeAspect="1" noChangeArrowheads="1"/>
+          </p:cNvPicPr>
+          <p:nvPr/>
+        </p:nvPicPr>
+        <p:blipFill rotWithShape="1">
+          <a:blip r:embed="rId2">
+            <a:extLst>
+              <a:ext uri="{28A0092B-C50C-407E-A947-70E740481C1C}">
+                <a14:useLocalDpi xmlns:a14="http://schemas.microsoft.com/office/drawing/2010/main" val="0"/>
+              </a:ext>
+            </a:extLst>
+          </a:blip>
+          <a:srcRect l="18562" t="12587" r="18562" b="8932"/>
+          <a:stretch/>
+        </p:blipFill>
+        <p:spPr bwMode="auto">
+          <a:xfrm>
+            <a:off x="4813300" y="1790699"/>
+            <a:ext cx="3581400" cy="3543301"/>
+          </a:xfrm>
+          <a:prstGeom prst="rect">
+            <a:avLst/>
+          </a:prstGeom>
+          <a:noFill/>
+          <a:ln>
+            <a:noFill/>
+          </a:ln>
+          <a:extLst>
+            <a:ext uri="{909E8E84-426E-40DD-AFC4-6F175D3DCCD1}">
+              <a14:hiddenFill xmlns:a14="http://schemas.microsoft.com/office/drawing/2010/main">
+                <a:solidFill>
+                  <a:schemeClr val="accent1"/>
+                </a:solidFill>
+              </a14:hiddenFill>
+            </a:ext>
+            <a:ext uri="{91240B29-F687-4F45-9708-019B960494DF}">
+              <a14:hiddenLine xmlns:a14="http://schemas.microsoft.com/office/drawing/2010/main" w="9525">
+                <a:solidFill>
+                  <a:schemeClr val="tx1"/>
+                </a:solidFill>
+                <a:miter lim="800000"/>
+                <a:headEnd/>
+                <a:tailEnd/>
+              </a14:hiddenLine>
+            </a:ext>
+          </a:extLst>
+        </p:spPr>
+      </p:pic>
+    </p:spTree>
+    <p:extLst>
+      <p:ext uri="{BB962C8B-B14F-4D97-AF65-F5344CB8AC3E}">
+        <p14:creationId xmlns:p14="http://schemas.microsoft.com/office/powerpoint/2010/main" val="3225858585"/>
+      </p:ext>
+    </p:extLst>
+  </p:cSld>
+  <p:clrMapOvr>
+    <a:masterClrMapping/>
+  </p:clrMapOvr>
+  <p:timing>
+    <p:tnLst>
+      <p:par>
+        <p:cTn id="1" dur="indefinite" restart="never" nodeType="tmRoot"/>
+      </p:par>
+    </p:tnLst>
+  </p:timing>
+</p:sld>
+</file>
+
+<file path=ppt/slides/slide24.xml><?xml version="1.0" encoding="utf-8"?>
+<p:sld xmlns:a="http://schemas.openxmlformats.org/drawingml/2006/main" xmlns:r="http://schemas.openxmlformats.org/officeDocument/2006/relationships" xmlns:p="http://schemas.openxmlformats.org/presentationml/2006/main">
+  <p:cSld>
+    <p:spTree>
+      <p:nvGrpSpPr>
+        <p:cNvPr id="1" name=""/>
+        <p:cNvGrpSpPr/>
+        <p:nvPr/>
+      </p:nvGrpSpPr>
+      <p:grpSpPr>
+        <a:xfrm>
+          <a:off x="0" y="0"/>
+          <a:ext cx="0" cy="0"/>
+          <a:chOff x="0" y="0"/>
+          <a:chExt cx="0" cy="0"/>
+        </a:xfrm>
+      </p:grpSpPr>
+      <p:sp>
+        <p:nvSpPr>
+          <p:cNvPr id="7" name="Title 6"/>
+          <p:cNvSpPr>
+            <a:spLocks noGrp="1"/>
+          </p:cNvSpPr>
+          <p:nvPr>
+            <p:ph type="title"/>
+          </p:nvPr>
+        </p:nvSpPr>
+        <p:spPr>
+          <a:xfrm>
+            <a:off x="457200" y="2362200"/>
+            <a:ext cx="8229600" cy="1752600"/>
+          </a:xfrm>
+        </p:spPr>
+        <p:txBody>
+          <a:bodyPr>
+            <a:noAutofit/>
+          </a:bodyPr>
+          <a:lstStyle/>
+          <a:p>
+            <a:pPr algn="ctr"/>
+            <a:r>
+              <a:rPr lang="en-US" sz="6600" b="1" dirty="0">
+                <a:latin typeface="+mn-lt"/>
+              </a:rPr>
+              <a:t>THE END!!!</a:t>
+            </a:r>
+          </a:p>
+        </p:txBody>
+      </p:sp>
+    </p:spTree>
+    <p:extLst>
+      <p:ext uri="{BB962C8B-B14F-4D97-AF65-F5344CB8AC3E}">
+        <p14:creationId xmlns:p14="http://schemas.microsoft.com/office/powerpoint/2010/main" val="3796263381"/>
+      </p:ext>
+    </p:extLst>
+  </p:cSld>
+  <p:clrMapOvr>
+    <a:masterClrMapping/>
+  </p:clrMapOvr>
+  <p:timing>
+    <p:tnLst>
+      <p:par>
+        <p:cTn id="1" dur="indefinite" restart="never" nodeType="tmRoot"/>
+      </p:par>
+    </p:tnLst>
+  </p:timing>
 </p:sld>
 </file>
 
@@ -4375,7 +7095,7 @@
       </p:sp>
       <p:sp>
         <p:nvSpPr>
-          <p:cNvPr id="3" name="Content Placeholder 2"/>
+          <p:cNvPr id="4" name="Content Placeholder 3"/>
           <p:cNvSpPr>
             <a:spLocks noGrp="1"/>
           </p:cNvSpPr>
@@ -4383,7 +7103,12 @@
             <p:ph sz="quarter" idx="1"/>
           </p:nvPr>
         </p:nvSpPr>
-        <p:spPr/>
+        <p:spPr>
+          <a:xfrm>
+            <a:off x="457200" y="1219200"/>
+            <a:ext cx="8245366" cy="4937760"/>
+          </a:xfrm>
+        </p:spPr>
         <p:txBody>
           <a:bodyPr>
             <a:normAutofit/>
@@ -4398,6 +7123,63 @@
                 <a:schemeClr val="tx2"/>
               </a:solidFill>
             </a:endParaRPr>
+          </a:p>
+          <a:p>
+            <a:pPr marL="0" indent="0">
+              <a:buNone/>
+            </a:pPr>
+            <a:r>
+              <a:rPr lang="en-US" dirty="0" smtClean="0">
+                <a:solidFill>
+                  <a:schemeClr val="tx2"/>
+                </a:solidFill>
+              </a:rPr>
+              <a:t>Effective </a:t>
+            </a:r>
+            <a:r>
+              <a:rPr lang="en-US" dirty="0">
+                <a:solidFill>
+                  <a:schemeClr val="tx2"/>
+                </a:solidFill>
+              </a:rPr>
+              <a:t>disaster management relies on timely, accurate information for coordinating response efforts, allocating resources, and ensuring public safety. </a:t>
+            </a:r>
+            <a:endParaRPr lang="en-US" dirty="0" smtClean="0">
+              <a:solidFill>
+                <a:schemeClr val="tx2"/>
+              </a:solidFill>
+            </a:endParaRPr>
+          </a:p>
+          <a:p>
+            <a:pPr marL="0" indent="0">
+              <a:buNone/>
+            </a:pPr>
+            <a:endParaRPr lang="en-US" dirty="0" smtClean="0">
+              <a:solidFill>
+                <a:schemeClr val="tx2"/>
+              </a:solidFill>
+            </a:endParaRPr>
+          </a:p>
+          <a:p>
+            <a:pPr marL="0" indent="0">
+              <a:buNone/>
+            </a:pPr>
+            <a:r>
+              <a:rPr lang="en-US" dirty="0" smtClean="0">
+                <a:solidFill>
+                  <a:schemeClr val="tx2"/>
+                </a:solidFill>
+              </a:rPr>
+              <a:t>This </a:t>
+            </a:r>
+            <a:r>
+              <a:rPr lang="en-US" dirty="0">
+                <a:solidFill>
+                  <a:schemeClr val="tx2"/>
+                </a:solidFill>
+              </a:rPr>
+              <a:t>presentation outlines the design and implementation of a mobile-based disaster management system database, crucial for enhancing response efficiency and crisis management.</a:t>
+            </a:r>
           </a:p>
         </p:txBody>
       </p:sp>
@@ -4411,6 +7193,13 @@
   <p:clrMapOvr>
     <a:masterClrMapping/>
   </p:clrMapOvr>
+  <p:timing>
+    <p:tnLst>
+      <p:par>
+        <p:cTn id="1" dur="indefinite" restart="never" nodeType="tmRoot"/>
+      </p:par>
+    </p:tnLst>
+  </p:timing>
 </p:sld>
 </file>
 
@@ -4433,7 +7222,7 @@
       </p:grpSpPr>
       <p:sp>
         <p:nvSpPr>
-          <p:cNvPr id="7" name="Title 6"/>
+          <p:cNvPr id="2" name="Title 1"/>
           <p:cNvSpPr>
             <a:spLocks noGrp="1"/>
           </p:cNvSpPr>
@@ -4441,38 +7230,1194 @@
             <p:ph type="title"/>
           </p:nvPr>
         </p:nvSpPr>
-        <p:spPr>
+        <p:spPr/>
+        <p:txBody>
+          <a:bodyPr/>
+          <a:lstStyle/>
+          <a:p>
+            <a:r>
+              <a:rPr lang="en-US" dirty="0" smtClean="0"/>
+              <a:t>2. Database Design</a:t>
+            </a:r>
+            <a:endParaRPr lang="en-US" dirty="0"/>
+          </a:p>
+        </p:txBody>
+      </p:sp>
+      <p:sp>
+        <p:nvSpPr>
+          <p:cNvPr id="3" name="Content Placeholder 2"/>
+          <p:cNvSpPr>
+            <a:spLocks noGrp="1"/>
+          </p:cNvSpPr>
+          <p:nvPr>
+            <p:ph sz="quarter" idx="1"/>
+          </p:nvPr>
+        </p:nvSpPr>
+        <p:spPr/>
+        <p:txBody>
+          <a:bodyPr>
+            <a:normAutofit/>
+          </a:bodyPr>
+          <a:lstStyle/>
+          <a:p>
+            <a:pPr marL="0" indent="0">
+              <a:buNone/>
+            </a:pPr>
+            <a:endParaRPr lang="en-US" b="1" dirty="0" smtClean="0">
+              <a:solidFill>
+                <a:schemeClr val="tx2"/>
+              </a:solidFill>
+            </a:endParaRPr>
+          </a:p>
+          <a:p>
+            <a:pPr marL="0" indent="0">
+              <a:buNone/>
+            </a:pPr>
+            <a:r>
+              <a:rPr lang="en-US" b="1" dirty="0" smtClean="0">
+                <a:solidFill>
+                  <a:schemeClr val="tx2"/>
+                </a:solidFill>
+              </a:rPr>
+              <a:t>Key Considerations</a:t>
+            </a:r>
+            <a:endParaRPr lang="en-US" dirty="0">
+              <a:solidFill>
+                <a:schemeClr val="tx2"/>
+              </a:solidFill>
+            </a:endParaRPr>
+          </a:p>
+          <a:p>
+            <a:pPr marL="0" indent="0">
+              <a:buNone/>
+            </a:pPr>
+            <a:endParaRPr lang="en-US" dirty="0">
+              <a:solidFill>
+                <a:schemeClr val="tx2"/>
+              </a:solidFill>
+            </a:endParaRPr>
+          </a:p>
+          <a:p>
+            <a:pPr lvl="0">
+              <a:buFont typeface="Arial" panose="020B0604020202020204" pitchFamily="34" charset="0"/>
+              <a:buChar char="•"/>
+            </a:pPr>
+            <a:r>
+              <a:rPr lang="en-US" dirty="0" smtClean="0">
+                <a:solidFill>
+                  <a:schemeClr val="tx2"/>
+                </a:solidFill>
+              </a:rPr>
+              <a:t>Performance</a:t>
+            </a:r>
+          </a:p>
+          <a:p>
+            <a:pPr lvl="0">
+              <a:buFont typeface="Arial" panose="020B0604020202020204" pitchFamily="34" charset="0"/>
+              <a:buChar char="•"/>
+            </a:pPr>
+            <a:r>
+              <a:rPr lang="en-US" dirty="0" smtClean="0">
+                <a:solidFill>
+                  <a:schemeClr val="tx2"/>
+                </a:solidFill>
+              </a:rPr>
+              <a:t>Scalability</a:t>
+            </a:r>
+            <a:endParaRPr lang="en-US" dirty="0">
+              <a:solidFill>
+                <a:schemeClr val="tx2"/>
+              </a:solidFill>
+            </a:endParaRPr>
+          </a:p>
+          <a:p>
+            <a:pPr lvl="0">
+              <a:buFont typeface="Arial" panose="020B0604020202020204" pitchFamily="34" charset="0"/>
+              <a:buChar char="•"/>
+            </a:pPr>
+            <a:r>
+              <a:rPr lang="en-US" dirty="0">
+                <a:solidFill>
+                  <a:schemeClr val="tx2"/>
+                </a:solidFill>
+              </a:rPr>
+              <a:t>Offline </a:t>
+            </a:r>
+            <a:r>
+              <a:rPr lang="en-US" dirty="0" smtClean="0">
+                <a:solidFill>
+                  <a:schemeClr val="tx2"/>
+                </a:solidFill>
+              </a:rPr>
+              <a:t>Functionality</a:t>
+            </a:r>
+          </a:p>
+          <a:p>
+            <a:pPr lvl="0">
+              <a:buFont typeface="Arial" panose="020B0604020202020204" pitchFamily="34" charset="0"/>
+              <a:buChar char="•"/>
+            </a:pPr>
+            <a:r>
+              <a:rPr lang="en-US" dirty="0" smtClean="0">
+                <a:solidFill>
+                  <a:schemeClr val="tx2"/>
+                </a:solidFill>
+              </a:rPr>
+              <a:t>Accessibility</a:t>
+            </a:r>
+            <a:endParaRPr lang="en-US" dirty="0">
+              <a:solidFill>
+                <a:schemeClr val="tx2"/>
+              </a:solidFill>
+            </a:endParaRPr>
+          </a:p>
+          <a:p>
+            <a:pPr lvl="0">
+              <a:buFont typeface="Arial" panose="020B0604020202020204" pitchFamily="34" charset="0"/>
+              <a:buChar char="•"/>
+            </a:pPr>
+            <a:r>
+              <a:rPr lang="en-US" dirty="0" smtClean="0">
+                <a:solidFill>
+                  <a:schemeClr val="tx2"/>
+                </a:solidFill>
+              </a:rPr>
+              <a:t>Security</a:t>
+            </a:r>
+            <a:endParaRPr lang="en-US" dirty="0">
+              <a:solidFill>
+                <a:schemeClr val="tx2"/>
+              </a:solidFill>
+            </a:endParaRPr>
+          </a:p>
+          <a:p>
+            <a:pPr lvl="0">
+              <a:buFont typeface="Arial" panose="020B0604020202020204" pitchFamily="34" charset="0"/>
+              <a:buChar char="•"/>
+            </a:pPr>
+            <a:r>
+              <a:rPr lang="en-US" dirty="0" smtClean="0">
+                <a:solidFill>
+                  <a:schemeClr val="tx2"/>
+                </a:solidFill>
+              </a:rPr>
+              <a:t>Real-time Communication</a:t>
+            </a:r>
+            <a:endParaRPr lang="en-US" dirty="0">
+              <a:solidFill>
+                <a:schemeClr val="tx2"/>
+              </a:solidFill>
+            </a:endParaRPr>
+          </a:p>
+        </p:txBody>
+      </p:sp>
+      <p:pic>
+        <p:nvPicPr>
+          <p:cNvPr id="5122" name="Picture 2"/>
+          <p:cNvPicPr>
+            <a:picLocks noChangeAspect="1" noChangeArrowheads="1"/>
+          </p:cNvPicPr>
+          <p:nvPr/>
+        </p:nvPicPr>
+        <p:blipFill rotWithShape="1">
+          <a:blip r:embed="rId2">
+            <a:extLst>
+              <a:ext uri="{28A0092B-C50C-407E-A947-70E740481C1C}">
+                <a14:useLocalDpi xmlns:a14="http://schemas.microsoft.com/office/drawing/2010/main" val="0"/>
+              </a:ext>
+            </a:extLst>
+          </a:blip>
+          <a:srcRect l="12046" t="19630" r="7609" b="16297"/>
+          <a:stretch/>
+        </p:blipFill>
+        <p:spPr bwMode="auto">
           <a:xfrm>
-            <a:off x="457200" y="2362200"/>
-            <a:ext cx="8229600" cy="1752600"/>
+            <a:off x="3911600" y="2336800"/>
+            <a:ext cx="4929949" cy="2730500"/>
           </a:xfrm>
+          <a:prstGeom prst="rect">
+            <a:avLst/>
+          </a:prstGeom>
+          <a:noFill/>
+          <a:ln>
+            <a:noFill/>
+          </a:ln>
+          <a:extLst>
+            <a:ext uri="{909E8E84-426E-40DD-AFC4-6F175D3DCCD1}">
+              <a14:hiddenFill xmlns:a14="http://schemas.microsoft.com/office/drawing/2010/main">
+                <a:solidFill>
+                  <a:schemeClr val="accent1"/>
+                </a:solidFill>
+              </a14:hiddenFill>
+            </a:ext>
+            <a:ext uri="{91240B29-F687-4F45-9708-019B960494DF}">
+              <a14:hiddenLine xmlns:a14="http://schemas.microsoft.com/office/drawing/2010/main" w="9525">
+                <a:solidFill>
+                  <a:schemeClr val="tx1"/>
+                </a:solidFill>
+                <a:miter lim="800000"/>
+                <a:headEnd/>
+                <a:tailEnd/>
+              </a14:hiddenLine>
+            </a:ext>
+          </a:extLst>
         </p:spPr>
-        <p:txBody>
-          <a:bodyPr>
-            <a:noAutofit/>
-          </a:bodyPr>
-          <a:lstStyle/>
-          <a:p>
-            <a:pPr algn="ctr"/>
-            <a:r>
-              <a:rPr lang="en-US" sz="6600" b="1" dirty="0">
-                <a:latin typeface="+mn-lt"/>
-              </a:rPr>
-              <a:t>THE END!!!</a:t>
-            </a:r>
-          </a:p>
-        </p:txBody>
-      </p:sp>
+      </p:pic>
     </p:spTree>
     <p:extLst>
       <p:ext uri="{BB962C8B-B14F-4D97-AF65-F5344CB8AC3E}">
-        <p14:creationId xmlns:p14="http://schemas.microsoft.com/office/powerpoint/2010/main" val="3796263381"/>
+        <p14:creationId xmlns:p14="http://schemas.microsoft.com/office/powerpoint/2010/main" val="2504676987"/>
       </p:ext>
     </p:extLst>
   </p:cSld>
   <p:clrMapOvr>
     <a:masterClrMapping/>
   </p:clrMapOvr>
+  <p:timing>
+    <p:tnLst>
+      <p:par>
+        <p:cTn id="1" dur="indefinite" restart="never" nodeType="tmRoot"/>
+      </p:par>
+    </p:tnLst>
+  </p:timing>
+</p:sld>
+</file>
+
+<file path=ppt/slides/slide5.xml><?xml version="1.0" encoding="utf-8"?>
+<p:sld xmlns:a="http://schemas.openxmlformats.org/drawingml/2006/main" xmlns:r="http://schemas.openxmlformats.org/officeDocument/2006/relationships" xmlns:p="http://schemas.openxmlformats.org/presentationml/2006/main">
+  <p:cSld>
+    <p:spTree>
+      <p:nvGrpSpPr>
+        <p:cNvPr id="1" name=""/>
+        <p:cNvGrpSpPr/>
+        <p:nvPr/>
+      </p:nvGrpSpPr>
+      <p:grpSpPr>
+        <a:xfrm>
+          <a:off x="0" y="0"/>
+          <a:ext cx="0" cy="0"/>
+          <a:chOff x="0" y="0"/>
+          <a:chExt cx="0" cy="0"/>
+        </a:xfrm>
+      </p:grpSpPr>
+      <p:sp>
+        <p:nvSpPr>
+          <p:cNvPr id="2" name="Title 1"/>
+          <p:cNvSpPr>
+            <a:spLocks noGrp="1"/>
+          </p:cNvSpPr>
+          <p:nvPr>
+            <p:ph type="title"/>
+          </p:nvPr>
+        </p:nvSpPr>
+        <p:spPr/>
+        <p:txBody>
+          <a:bodyPr>
+            <a:normAutofit/>
+          </a:bodyPr>
+          <a:lstStyle/>
+          <a:p>
+            <a:r>
+              <a:rPr lang="en-US" dirty="0" smtClean="0"/>
+              <a:t>I. </a:t>
+            </a:r>
+            <a:r>
+              <a:rPr lang="en-US" dirty="0"/>
+              <a:t>Entities and their A</a:t>
+            </a:r>
+            <a:r>
+              <a:rPr lang="en-US" dirty="0" smtClean="0"/>
+              <a:t>ttributes</a:t>
+            </a:r>
+            <a:endParaRPr lang="en-US" dirty="0"/>
+          </a:p>
+        </p:txBody>
+      </p:sp>
+      <p:sp>
+        <p:nvSpPr>
+          <p:cNvPr id="4" name="Content Placeholder 3"/>
+          <p:cNvSpPr>
+            <a:spLocks noGrp="1"/>
+          </p:cNvSpPr>
+          <p:nvPr>
+            <p:ph sz="quarter" idx="1"/>
+          </p:nvPr>
+        </p:nvSpPr>
+        <p:spPr>
+          <a:xfrm>
+            <a:off x="457200" y="1219200"/>
+            <a:ext cx="4776952" cy="4937760"/>
+          </a:xfrm>
+        </p:spPr>
+        <p:txBody>
+          <a:bodyPr>
+            <a:noAutofit/>
+          </a:bodyPr>
+          <a:lstStyle/>
+          <a:p>
+            <a:pPr marL="514350" indent="-514350">
+              <a:buFont typeface="+mj-lt"/>
+              <a:buAutoNum type="arabicPeriod"/>
+            </a:pPr>
+            <a:r>
+              <a:rPr lang="en-US" sz="2800" dirty="0" smtClean="0">
+                <a:solidFill>
+                  <a:schemeClr val="tx2"/>
+                </a:solidFill>
+              </a:rPr>
+              <a:t>User</a:t>
+            </a:r>
+          </a:p>
+          <a:p>
+            <a:pPr marL="514350" indent="-514350">
+              <a:buFont typeface="+mj-lt"/>
+              <a:buAutoNum type="arabicPeriod"/>
+            </a:pPr>
+            <a:r>
+              <a:rPr lang="en-US" sz="2800" dirty="0" smtClean="0">
+                <a:solidFill>
+                  <a:schemeClr val="tx2"/>
+                </a:solidFill>
+              </a:rPr>
+              <a:t>Responders</a:t>
+            </a:r>
+          </a:p>
+          <a:p>
+            <a:pPr marL="514350" indent="-514350">
+              <a:buFont typeface="+mj-lt"/>
+              <a:buAutoNum type="arabicPeriod"/>
+            </a:pPr>
+            <a:r>
+              <a:rPr lang="en-US" sz="2800" dirty="0" smtClean="0">
+                <a:solidFill>
+                  <a:schemeClr val="tx2"/>
+                </a:solidFill>
+              </a:rPr>
+              <a:t>Incidents</a:t>
+            </a:r>
+          </a:p>
+          <a:p>
+            <a:pPr marL="514350" indent="-514350">
+              <a:buFont typeface="+mj-lt"/>
+              <a:buAutoNum type="arabicPeriod"/>
+            </a:pPr>
+            <a:r>
+              <a:rPr lang="en-US" sz="2800" dirty="0" err="1" smtClean="0">
+                <a:solidFill>
+                  <a:schemeClr val="tx2"/>
+                </a:solidFill>
+              </a:rPr>
+              <a:t>Help_Requests</a:t>
+            </a:r>
+            <a:endParaRPr lang="en-US" sz="2800" dirty="0" smtClean="0">
+              <a:solidFill>
+                <a:schemeClr val="tx2"/>
+              </a:solidFill>
+            </a:endParaRPr>
+          </a:p>
+          <a:p>
+            <a:pPr marL="514350" indent="-514350">
+              <a:buFont typeface="+mj-lt"/>
+              <a:buAutoNum type="arabicPeriod"/>
+            </a:pPr>
+            <a:r>
+              <a:rPr lang="en-US" sz="2800" dirty="0" smtClean="0">
+                <a:solidFill>
+                  <a:schemeClr val="tx2"/>
+                </a:solidFill>
+              </a:rPr>
+              <a:t>Forums</a:t>
+            </a:r>
+          </a:p>
+          <a:p>
+            <a:pPr marL="514350" indent="-514350">
+              <a:buFont typeface="+mj-lt"/>
+              <a:buAutoNum type="arabicPeriod"/>
+            </a:pPr>
+            <a:r>
+              <a:rPr lang="en-US" sz="2800" dirty="0" smtClean="0">
+                <a:solidFill>
+                  <a:schemeClr val="tx2"/>
+                </a:solidFill>
+              </a:rPr>
+              <a:t>Announcements</a:t>
+            </a:r>
+          </a:p>
+          <a:p>
+            <a:pPr marL="514350" indent="-514350">
+              <a:buFont typeface="+mj-lt"/>
+              <a:buAutoNum type="arabicPeriod"/>
+            </a:pPr>
+            <a:r>
+              <a:rPr lang="en-US" sz="2800" dirty="0" smtClean="0">
+                <a:solidFill>
+                  <a:schemeClr val="tx2"/>
+                </a:solidFill>
+              </a:rPr>
+              <a:t>Guides</a:t>
+            </a:r>
+          </a:p>
+        </p:txBody>
+      </p:sp>
+      <p:sp>
+        <p:nvSpPr>
+          <p:cNvPr id="5" name="Content Placeholder 4"/>
+          <p:cNvSpPr>
+            <a:spLocks noGrp="1"/>
+          </p:cNvSpPr>
+          <p:nvPr>
+            <p:ph sz="quarter" idx="2"/>
+          </p:nvPr>
+        </p:nvSpPr>
+        <p:spPr>
+          <a:xfrm>
+            <a:off x="5454869" y="1216152"/>
+            <a:ext cx="3218976" cy="4937760"/>
+          </a:xfrm>
+        </p:spPr>
+        <p:txBody>
+          <a:bodyPr>
+            <a:normAutofit/>
+          </a:bodyPr>
+          <a:lstStyle/>
+          <a:p>
+            <a:pPr marL="0" lvl="0" indent="0">
+              <a:buNone/>
+            </a:pPr>
+            <a:r>
+              <a:rPr lang="en-US" b="1" dirty="0" smtClean="0">
+                <a:solidFill>
+                  <a:schemeClr val="tx2"/>
+                </a:solidFill>
+              </a:rPr>
+              <a:t>e.g. User</a:t>
+            </a:r>
+            <a:endParaRPr lang="en-US" b="1" dirty="0">
+              <a:solidFill>
+                <a:schemeClr val="tx2"/>
+              </a:solidFill>
+            </a:endParaRPr>
+          </a:p>
+          <a:p>
+            <a:pPr lvl="1">
+              <a:buFont typeface="Arial" panose="020B0604020202020204" pitchFamily="34" charset="0"/>
+              <a:buChar char="•"/>
+            </a:pPr>
+            <a:r>
+              <a:rPr lang="en-US" dirty="0" smtClean="0"/>
+              <a:t>ID</a:t>
+            </a:r>
+            <a:endParaRPr lang="en-US" dirty="0"/>
+          </a:p>
+          <a:p>
+            <a:pPr lvl="1">
+              <a:buFont typeface="Arial" panose="020B0604020202020204" pitchFamily="34" charset="0"/>
+              <a:buChar char="•"/>
+            </a:pPr>
+            <a:r>
+              <a:rPr lang="en-US" dirty="0" smtClean="0"/>
+              <a:t>Name</a:t>
+            </a:r>
+            <a:endParaRPr lang="en-US" dirty="0"/>
+          </a:p>
+          <a:p>
+            <a:pPr lvl="1">
+              <a:buFont typeface="Arial" panose="020B0604020202020204" pitchFamily="34" charset="0"/>
+              <a:buChar char="•"/>
+            </a:pPr>
+            <a:r>
+              <a:rPr lang="en-US" dirty="0"/>
+              <a:t>Email</a:t>
+            </a:r>
+            <a:r>
+              <a:rPr lang="en-US" dirty="0" smtClean="0"/>
+              <a:t>:</a:t>
+            </a:r>
+            <a:endParaRPr lang="en-US" dirty="0"/>
+          </a:p>
+          <a:p>
+            <a:pPr lvl="1">
+              <a:buFont typeface="Arial" panose="020B0604020202020204" pitchFamily="34" charset="0"/>
+              <a:buChar char="•"/>
+            </a:pPr>
+            <a:r>
+              <a:rPr lang="en-US" dirty="0" smtClean="0"/>
+              <a:t>Password</a:t>
+            </a:r>
+            <a:endParaRPr lang="en-US" dirty="0"/>
+          </a:p>
+          <a:p>
+            <a:pPr lvl="1">
+              <a:buFont typeface="Arial" panose="020B0604020202020204" pitchFamily="34" charset="0"/>
+              <a:buChar char="•"/>
+            </a:pPr>
+            <a:r>
+              <a:rPr lang="en-US" dirty="0" smtClean="0"/>
+              <a:t>Telephone</a:t>
+            </a:r>
+            <a:endParaRPr lang="en-US" dirty="0"/>
+          </a:p>
+          <a:p>
+            <a:pPr lvl="1">
+              <a:buFont typeface="Arial" panose="020B0604020202020204" pitchFamily="34" charset="0"/>
+              <a:buChar char="•"/>
+            </a:pPr>
+            <a:r>
+              <a:rPr lang="en-US" dirty="0" smtClean="0"/>
+              <a:t>Language</a:t>
+            </a:r>
+          </a:p>
+          <a:p>
+            <a:pPr lvl="1">
+              <a:buFont typeface="Arial" panose="020B0604020202020204" pitchFamily="34" charset="0"/>
+              <a:buChar char="•"/>
+            </a:pPr>
+            <a:r>
+              <a:rPr lang="en-US" dirty="0" smtClean="0"/>
+              <a:t>Photo</a:t>
+            </a:r>
+            <a:endParaRPr lang="en-US" dirty="0"/>
+          </a:p>
+          <a:p>
+            <a:pPr lvl="1">
+              <a:buFont typeface="Arial" panose="020B0604020202020204" pitchFamily="34" charset="0"/>
+              <a:buChar char="•"/>
+            </a:pPr>
+            <a:r>
+              <a:rPr lang="en-US" dirty="0" smtClean="0"/>
+              <a:t>Role</a:t>
+            </a:r>
+          </a:p>
+          <a:p>
+            <a:pPr lvl="1">
+              <a:buFont typeface="Arial" panose="020B0604020202020204" pitchFamily="34" charset="0"/>
+              <a:buChar char="•"/>
+            </a:pPr>
+            <a:r>
+              <a:rPr lang="en-US" dirty="0" smtClean="0"/>
+              <a:t>Locations</a:t>
+            </a:r>
+          </a:p>
+          <a:p>
+            <a:pPr lvl="1">
+              <a:buFont typeface="Arial" panose="020B0604020202020204" pitchFamily="34" charset="0"/>
+              <a:buChar char="•"/>
+            </a:pPr>
+            <a:r>
+              <a:rPr lang="en-US" dirty="0" smtClean="0"/>
+              <a:t>Forums</a:t>
+            </a:r>
+            <a:endParaRPr lang="en-US" dirty="0"/>
+          </a:p>
+        </p:txBody>
+      </p:sp>
+    </p:spTree>
+    <p:extLst>
+      <p:ext uri="{BB962C8B-B14F-4D97-AF65-F5344CB8AC3E}">
+        <p14:creationId xmlns:p14="http://schemas.microsoft.com/office/powerpoint/2010/main" val="1726170289"/>
+      </p:ext>
+    </p:extLst>
+  </p:cSld>
+  <p:clrMapOvr>
+    <a:masterClrMapping/>
+  </p:clrMapOvr>
+  <p:timing>
+    <p:tnLst>
+      <p:par>
+        <p:cTn id="1" dur="indefinite" restart="never" nodeType="tmRoot"/>
+      </p:par>
+    </p:tnLst>
+  </p:timing>
+</p:sld>
+</file>
+
+<file path=ppt/slides/slide6.xml><?xml version="1.0" encoding="utf-8"?>
+<p:sld xmlns:a="http://schemas.openxmlformats.org/drawingml/2006/main" xmlns:r="http://schemas.openxmlformats.org/officeDocument/2006/relationships" xmlns:p="http://schemas.openxmlformats.org/presentationml/2006/main">
+  <p:cSld>
+    <p:spTree>
+      <p:nvGrpSpPr>
+        <p:cNvPr id="1" name=""/>
+        <p:cNvGrpSpPr/>
+        <p:nvPr/>
+      </p:nvGrpSpPr>
+      <p:grpSpPr>
+        <a:xfrm>
+          <a:off x="0" y="0"/>
+          <a:ext cx="0" cy="0"/>
+          <a:chOff x="0" y="0"/>
+          <a:chExt cx="0" cy="0"/>
+        </a:xfrm>
+      </p:grpSpPr>
+      <p:sp>
+        <p:nvSpPr>
+          <p:cNvPr id="5" name="Title 4"/>
+          <p:cNvSpPr>
+            <a:spLocks noGrp="1"/>
+          </p:cNvSpPr>
+          <p:nvPr>
+            <p:ph type="title"/>
+          </p:nvPr>
+        </p:nvSpPr>
+        <p:spPr/>
+        <p:txBody>
+          <a:bodyPr/>
+          <a:lstStyle/>
+          <a:p>
+            <a:r>
+              <a:rPr lang="en-US" dirty="0" smtClean="0"/>
+              <a:t>II. Define Relationships and References</a:t>
+            </a:r>
+            <a:endParaRPr lang="en-US" dirty="0"/>
+          </a:p>
+        </p:txBody>
+      </p:sp>
+      <p:sp>
+        <p:nvSpPr>
+          <p:cNvPr id="6" name="Content Placeholder 5"/>
+          <p:cNvSpPr>
+            <a:spLocks noGrp="1"/>
+          </p:cNvSpPr>
+          <p:nvPr>
+            <p:ph sz="quarter" idx="1"/>
+          </p:nvPr>
+        </p:nvSpPr>
+        <p:spPr/>
+        <p:txBody>
+          <a:bodyPr/>
+          <a:lstStyle/>
+          <a:p>
+            <a:pPr marL="0" indent="0">
+              <a:buNone/>
+            </a:pPr>
+            <a:endParaRPr lang="en-US" dirty="0" smtClean="0">
+              <a:solidFill>
+                <a:schemeClr val="tx2"/>
+              </a:solidFill>
+            </a:endParaRPr>
+          </a:p>
+          <a:p>
+            <a:pPr marL="0" indent="0">
+              <a:buNone/>
+            </a:pPr>
+            <a:r>
+              <a:rPr lang="en-US" dirty="0" smtClean="0">
+                <a:solidFill>
+                  <a:schemeClr val="tx2"/>
+                </a:solidFill>
+              </a:rPr>
+              <a:t>Since </a:t>
+            </a:r>
+            <a:r>
+              <a:rPr lang="en-US" dirty="0">
+                <a:solidFill>
+                  <a:schemeClr val="tx2"/>
+                </a:solidFill>
+              </a:rPr>
+              <a:t>relationships between entities are not explicitly defined using foreign keys, we outlined the relationships between various entities and stored references </a:t>
+            </a:r>
+            <a:r>
+              <a:rPr lang="en-US" dirty="0" smtClean="0">
+                <a:solidFill>
+                  <a:schemeClr val="tx2"/>
+                </a:solidFill>
+              </a:rPr>
+              <a:t>within </a:t>
+            </a:r>
+            <a:r>
+              <a:rPr lang="en-US" dirty="0">
+                <a:solidFill>
+                  <a:schemeClr val="tx2"/>
+                </a:solidFill>
+              </a:rPr>
+              <a:t>documents to link them together by evaluating various criteria. </a:t>
+            </a:r>
+            <a:endParaRPr lang="en-US" dirty="0" smtClean="0">
+              <a:solidFill>
+                <a:schemeClr val="tx2"/>
+              </a:solidFill>
+            </a:endParaRPr>
+          </a:p>
+        </p:txBody>
+      </p:sp>
+    </p:spTree>
+    <p:extLst>
+      <p:ext uri="{BB962C8B-B14F-4D97-AF65-F5344CB8AC3E}">
+        <p14:creationId xmlns:p14="http://schemas.microsoft.com/office/powerpoint/2010/main" val="323465182"/>
+      </p:ext>
+    </p:extLst>
+  </p:cSld>
+  <p:clrMapOvr>
+    <a:masterClrMapping/>
+  </p:clrMapOvr>
+  <p:timing>
+    <p:tnLst>
+      <p:par>
+        <p:cTn id="1" dur="indefinite" restart="never" nodeType="tmRoot"/>
+      </p:par>
+    </p:tnLst>
+  </p:timing>
+</p:sld>
+</file>
+
+<file path=ppt/slides/slide7.xml><?xml version="1.0" encoding="utf-8"?>
+<p:sld xmlns:a="http://schemas.openxmlformats.org/drawingml/2006/main" xmlns:r="http://schemas.openxmlformats.org/officeDocument/2006/relationships" xmlns:p="http://schemas.openxmlformats.org/presentationml/2006/main">
+  <p:cSld>
+    <p:spTree>
+      <p:nvGrpSpPr>
+        <p:cNvPr id="1" name=""/>
+        <p:cNvGrpSpPr/>
+        <p:nvPr/>
+      </p:nvGrpSpPr>
+      <p:grpSpPr>
+        <a:xfrm>
+          <a:off x="0" y="0"/>
+          <a:ext cx="0" cy="0"/>
+          <a:chOff x="0" y="0"/>
+          <a:chExt cx="0" cy="0"/>
+        </a:xfrm>
+      </p:grpSpPr>
+      <p:pic>
+        <p:nvPicPr>
+          <p:cNvPr id="4" name="Picture 3"/>
+          <p:cNvPicPr/>
+          <p:nvPr/>
+        </p:nvPicPr>
+        <p:blipFill>
+          <a:blip r:embed="rId2"/>
+          <a:stretch>
+            <a:fillRect/>
+          </a:stretch>
+        </p:blipFill>
+        <p:spPr>
+          <a:xfrm>
+            <a:off x="141889" y="254000"/>
+            <a:ext cx="8781393" cy="6261100"/>
+          </a:xfrm>
+          <a:prstGeom prst="rect">
+            <a:avLst/>
+          </a:prstGeom>
+        </p:spPr>
+      </p:pic>
+    </p:spTree>
+    <p:extLst>
+      <p:ext uri="{BB962C8B-B14F-4D97-AF65-F5344CB8AC3E}">
+        <p14:creationId xmlns:p14="http://schemas.microsoft.com/office/powerpoint/2010/main" val="3027074621"/>
+      </p:ext>
+    </p:extLst>
+  </p:cSld>
+  <p:clrMapOvr>
+    <a:masterClrMapping/>
+  </p:clrMapOvr>
+  <p:timing>
+    <p:tnLst>
+      <p:par>
+        <p:cTn id="1" dur="indefinite" restart="never" nodeType="tmRoot"/>
+      </p:par>
+    </p:tnLst>
+  </p:timing>
+</p:sld>
+</file>
+
+<file path=ppt/slides/slide8.xml><?xml version="1.0" encoding="utf-8"?>
+<p:sld xmlns:a="http://schemas.openxmlformats.org/drawingml/2006/main" xmlns:r="http://schemas.openxmlformats.org/officeDocument/2006/relationships" xmlns:p="http://schemas.openxmlformats.org/presentationml/2006/main">
+  <p:cSld>
+    <p:spTree>
+      <p:nvGrpSpPr>
+        <p:cNvPr id="1" name=""/>
+        <p:cNvGrpSpPr/>
+        <p:nvPr/>
+      </p:nvGrpSpPr>
+      <p:grpSpPr>
+        <a:xfrm>
+          <a:off x="0" y="0"/>
+          <a:ext cx="0" cy="0"/>
+          <a:chOff x="0" y="0"/>
+          <a:chExt cx="0" cy="0"/>
+        </a:xfrm>
+      </p:grpSpPr>
+      <p:sp>
+        <p:nvSpPr>
+          <p:cNvPr id="2" name="Title 1"/>
+          <p:cNvSpPr>
+            <a:spLocks noGrp="1"/>
+          </p:cNvSpPr>
+          <p:nvPr>
+            <p:ph type="title"/>
+          </p:nvPr>
+        </p:nvSpPr>
+        <p:spPr/>
+        <p:txBody>
+          <a:bodyPr/>
+          <a:lstStyle/>
+          <a:p>
+            <a:r>
+              <a:rPr lang="en-US" dirty="0"/>
+              <a:t>II. Define Relationships and References</a:t>
+            </a:r>
+          </a:p>
+        </p:txBody>
+      </p:sp>
+      <p:sp>
+        <p:nvSpPr>
+          <p:cNvPr id="3" name="Content Placeholder 2"/>
+          <p:cNvSpPr>
+            <a:spLocks noGrp="1"/>
+          </p:cNvSpPr>
+          <p:nvPr>
+            <p:ph sz="quarter" idx="1"/>
+          </p:nvPr>
+        </p:nvSpPr>
+        <p:spPr/>
+        <p:txBody>
+          <a:bodyPr/>
+          <a:lstStyle/>
+          <a:p>
+            <a:pPr marL="0" indent="0">
+              <a:buNone/>
+            </a:pPr>
+            <a:r>
+              <a:rPr lang="en-US" dirty="0">
+                <a:solidFill>
+                  <a:schemeClr val="tx2"/>
+                </a:solidFill>
+              </a:rPr>
+              <a:t>The following methods were adopted to create a schema with optimal </a:t>
+            </a:r>
+            <a:r>
+              <a:rPr lang="en-US" dirty="0" smtClean="0">
+                <a:solidFill>
+                  <a:schemeClr val="tx2"/>
+                </a:solidFill>
+              </a:rPr>
+              <a:t>performance</a:t>
+            </a:r>
+          </a:p>
+          <a:p>
+            <a:pPr marL="0" indent="0">
+              <a:buNone/>
+            </a:pPr>
+            <a:endParaRPr lang="en-US" dirty="0">
+              <a:solidFill>
+                <a:schemeClr val="tx2"/>
+              </a:solidFill>
+            </a:endParaRPr>
+          </a:p>
+          <a:p>
+            <a:pPr marL="571500" lvl="0" indent="-571500">
+              <a:buFont typeface="+mj-lt"/>
+              <a:buAutoNum type="romanLcPeriod"/>
+            </a:pPr>
+            <a:r>
+              <a:rPr lang="en-US" sz="2200" dirty="0">
+                <a:solidFill>
+                  <a:schemeClr val="tx2"/>
+                </a:solidFill>
+              </a:rPr>
+              <a:t>Optimization structure for reading of frequently read </a:t>
+            </a:r>
+            <a:r>
+              <a:rPr lang="en-US" sz="2200" dirty="0" smtClean="0">
+                <a:solidFill>
+                  <a:schemeClr val="tx2"/>
+                </a:solidFill>
+              </a:rPr>
+              <a:t>data</a:t>
+            </a:r>
+          </a:p>
+          <a:p>
+            <a:pPr lvl="1">
+              <a:buFont typeface="Arial" panose="020B0604020202020204" pitchFamily="34" charset="0"/>
+              <a:buChar char="•"/>
+            </a:pPr>
+            <a:r>
+              <a:rPr lang="en-US" dirty="0" err="1" smtClean="0"/>
+              <a:t>Denormalized</a:t>
+            </a:r>
+            <a:endParaRPr lang="en-US" dirty="0" smtClean="0"/>
+          </a:p>
+          <a:p>
+            <a:pPr lvl="1">
+              <a:buFont typeface="Arial" panose="020B0604020202020204" pitchFamily="34" charset="0"/>
+              <a:buChar char="•"/>
+            </a:pPr>
+            <a:r>
+              <a:rPr lang="en-US" dirty="0" smtClean="0"/>
+              <a:t>Index</a:t>
+            </a:r>
+            <a:endParaRPr lang="en-US" dirty="0"/>
+          </a:p>
+          <a:p>
+            <a:pPr marL="571500" lvl="0" indent="-571500">
+              <a:buFont typeface="+mj-lt"/>
+              <a:buAutoNum type="romanLcPeriod"/>
+            </a:pPr>
+            <a:r>
+              <a:rPr lang="en-US" sz="2200" dirty="0">
+                <a:solidFill>
+                  <a:schemeClr val="tx2"/>
+                </a:solidFill>
+              </a:rPr>
+              <a:t>Optimization structure for writing of frequently written </a:t>
+            </a:r>
+            <a:r>
+              <a:rPr lang="en-US" sz="2200" dirty="0" smtClean="0">
+                <a:solidFill>
+                  <a:schemeClr val="tx2"/>
+                </a:solidFill>
+              </a:rPr>
+              <a:t>data</a:t>
+            </a:r>
+          </a:p>
+          <a:p>
+            <a:pPr lvl="1">
+              <a:buFont typeface="Arial" panose="020B0604020202020204" pitchFamily="34" charset="0"/>
+              <a:buChar char="•"/>
+            </a:pPr>
+            <a:r>
+              <a:rPr lang="en-US" dirty="0" smtClean="0"/>
+              <a:t>Normalized</a:t>
+            </a:r>
+            <a:endParaRPr lang="en-US" dirty="0"/>
+          </a:p>
+        </p:txBody>
+      </p:sp>
+    </p:spTree>
+    <p:extLst>
+      <p:ext uri="{BB962C8B-B14F-4D97-AF65-F5344CB8AC3E}">
+        <p14:creationId xmlns:p14="http://schemas.microsoft.com/office/powerpoint/2010/main" val="3529353699"/>
+      </p:ext>
+    </p:extLst>
+  </p:cSld>
+  <p:clrMapOvr>
+    <a:masterClrMapping/>
+  </p:clrMapOvr>
+  <p:timing>
+    <p:tnLst>
+      <p:par>
+        <p:cTn id="1" dur="indefinite" restart="never" nodeType="tmRoot"/>
+      </p:par>
+    </p:tnLst>
+  </p:timing>
+</p:sld>
+</file>
+
+<file path=ppt/slides/slide9.xml><?xml version="1.0" encoding="utf-8"?>
+<p:sld xmlns:a="http://schemas.openxmlformats.org/drawingml/2006/main" xmlns:r="http://schemas.openxmlformats.org/officeDocument/2006/relationships" xmlns:p="http://schemas.openxmlformats.org/presentationml/2006/main">
+  <p:cSld>
+    <p:spTree>
+      <p:nvGrpSpPr>
+        <p:cNvPr id="1" name=""/>
+        <p:cNvGrpSpPr/>
+        <p:nvPr/>
+      </p:nvGrpSpPr>
+      <p:grpSpPr>
+        <a:xfrm>
+          <a:off x="0" y="0"/>
+          <a:ext cx="0" cy="0"/>
+          <a:chOff x="0" y="0"/>
+          <a:chExt cx="0" cy="0"/>
+        </a:xfrm>
+      </p:grpSpPr>
+      <p:sp>
+        <p:nvSpPr>
+          <p:cNvPr id="2" name="Title 1"/>
+          <p:cNvSpPr>
+            <a:spLocks noGrp="1"/>
+          </p:cNvSpPr>
+          <p:nvPr>
+            <p:ph type="title"/>
+          </p:nvPr>
+        </p:nvSpPr>
+        <p:spPr/>
+        <p:txBody>
+          <a:bodyPr/>
+          <a:lstStyle/>
+          <a:p>
+            <a:r>
+              <a:rPr lang="en-US" dirty="0"/>
+              <a:t>II. Define Relationships and References</a:t>
+            </a:r>
+          </a:p>
+        </p:txBody>
+      </p:sp>
+      <p:sp>
+        <p:nvSpPr>
+          <p:cNvPr id="3" name="Content Placeholder 2"/>
+          <p:cNvSpPr>
+            <a:spLocks noGrp="1"/>
+          </p:cNvSpPr>
+          <p:nvPr>
+            <p:ph sz="quarter" idx="1"/>
+          </p:nvPr>
+        </p:nvSpPr>
+        <p:spPr/>
+        <p:txBody>
+          <a:bodyPr>
+            <a:normAutofit/>
+          </a:bodyPr>
+          <a:lstStyle/>
+          <a:p>
+            <a:pPr marL="0" indent="0">
+              <a:buNone/>
+            </a:pPr>
+            <a:r>
+              <a:rPr lang="en-US" dirty="0">
+                <a:solidFill>
+                  <a:schemeClr val="tx2"/>
+                </a:solidFill>
+              </a:rPr>
+              <a:t>In cases where the data neither showed a frequent read or frequent </a:t>
+            </a:r>
+            <a:r>
+              <a:rPr lang="en-US" dirty="0" smtClean="0">
+                <a:solidFill>
+                  <a:schemeClr val="tx2"/>
+                </a:solidFill>
+              </a:rPr>
+              <a:t>write, the </a:t>
+            </a:r>
+            <a:r>
+              <a:rPr lang="en-US" dirty="0">
+                <a:solidFill>
+                  <a:schemeClr val="tx2"/>
+                </a:solidFill>
+              </a:rPr>
+              <a:t>following was adopted</a:t>
+            </a:r>
+          </a:p>
+          <a:p>
+            <a:pPr marL="0" indent="0">
+              <a:buNone/>
+            </a:pPr>
+            <a:r>
+              <a:rPr lang="en-US" dirty="0">
+                <a:solidFill>
+                  <a:schemeClr val="tx2"/>
+                </a:solidFill>
+              </a:rPr>
+              <a:t> </a:t>
+            </a:r>
+          </a:p>
+          <a:p>
+            <a:pPr marL="571500" lvl="0" indent="-571500">
+              <a:buFont typeface="+mj-lt"/>
+              <a:buAutoNum type="romanLcPeriod" startAt="3"/>
+            </a:pPr>
+            <a:r>
+              <a:rPr lang="en-US" sz="3600" dirty="0" smtClean="0">
+                <a:solidFill>
+                  <a:schemeClr val="tx2"/>
+                </a:solidFill>
+              </a:rPr>
+              <a:t>One-to-one </a:t>
+            </a:r>
+            <a:r>
+              <a:rPr lang="en-US" sz="3600" dirty="0">
+                <a:solidFill>
+                  <a:schemeClr val="tx2"/>
+                </a:solidFill>
+              </a:rPr>
+              <a:t>Relationships</a:t>
+            </a:r>
+          </a:p>
+          <a:p>
+            <a:pPr marL="571500" lvl="0" indent="-571500">
+              <a:buFont typeface="+mj-lt"/>
+              <a:buAutoNum type="romanLcPeriod" startAt="3"/>
+            </a:pPr>
+            <a:r>
+              <a:rPr lang="en-US" sz="3600" dirty="0" smtClean="0">
+                <a:solidFill>
+                  <a:schemeClr val="tx2"/>
+                </a:solidFill>
+              </a:rPr>
+              <a:t>One-to-many </a:t>
+            </a:r>
+            <a:r>
+              <a:rPr lang="en-US" sz="3600" dirty="0">
+                <a:solidFill>
+                  <a:schemeClr val="tx2"/>
+                </a:solidFill>
+              </a:rPr>
+              <a:t>Relationships</a:t>
+            </a:r>
+          </a:p>
+          <a:p>
+            <a:pPr lvl="2">
+              <a:buFont typeface="Arial" panose="020B0604020202020204" pitchFamily="34" charset="0"/>
+              <a:buChar char="•"/>
+            </a:pPr>
+            <a:r>
+              <a:rPr lang="en-US" sz="3600" dirty="0" smtClean="0">
+                <a:solidFill>
+                  <a:schemeClr val="tx2"/>
+                </a:solidFill>
+              </a:rPr>
+              <a:t>Many-to-many </a:t>
+            </a:r>
+            <a:r>
+              <a:rPr lang="en-US" sz="3600" dirty="0">
+                <a:solidFill>
+                  <a:schemeClr val="tx2"/>
+                </a:solidFill>
+              </a:rPr>
+              <a:t>Relationships</a:t>
+            </a:r>
+          </a:p>
+          <a:p>
+            <a:pPr lvl="2">
+              <a:buFont typeface="Arial" panose="020B0604020202020204" pitchFamily="34" charset="0"/>
+              <a:buChar char="•"/>
+            </a:pPr>
+            <a:r>
+              <a:rPr lang="en-US" sz="3600" dirty="0" smtClean="0">
+                <a:solidFill>
+                  <a:schemeClr val="tx2"/>
+                </a:solidFill>
+              </a:rPr>
+              <a:t>Data </a:t>
+            </a:r>
+            <a:r>
+              <a:rPr lang="en-US" sz="3600" dirty="0">
+                <a:solidFill>
+                  <a:schemeClr val="tx2"/>
+                </a:solidFill>
+              </a:rPr>
+              <a:t>size and </a:t>
+            </a:r>
+            <a:r>
+              <a:rPr lang="en-US" sz="3600" dirty="0" smtClean="0">
+                <a:solidFill>
+                  <a:schemeClr val="tx2"/>
+                </a:solidFill>
+              </a:rPr>
+              <a:t>growth</a:t>
+            </a:r>
+            <a:endParaRPr lang="en-US" sz="3600" dirty="0">
+              <a:solidFill>
+                <a:schemeClr val="tx2"/>
+              </a:solidFill>
+            </a:endParaRPr>
+          </a:p>
+        </p:txBody>
+      </p:sp>
+    </p:spTree>
+    <p:extLst>
+      <p:ext uri="{BB962C8B-B14F-4D97-AF65-F5344CB8AC3E}">
+        <p14:creationId xmlns:p14="http://schemas.microsoft.com/office/powerpoint/2010/main" val="2599714358"/>
+      </p:ext>
+    </p:extLst>
+  </p:cSld>
+  <p:clrMapOvr>
+    <a:masterClrMapping/>
+  </p:clrMapOvr>
+  <p:timing>
+    <p:tnLst>
+      <p:par>
+        <p:cTn id="1" dur="indefinite" restart="never" nodeType="tmRoot"/>
+      </p:par>
+    </p:tnLst>
+  </p:timing>
 </p:sld>
 </file>
 

--- a/Task 6/Group_22.pptx
+++ b/Task 6/Group_22.pptx
@@ -132,7 +132,7 @@
   </p:defaultTextStyle>
   <p:extLst>
     <p:ext uri="{EFAFB233-063F-42B5-8137-9DF3F51BA10A}">
-      <p15:sldGuideLst xmlns="" xmlns:p15="http://schemas.microsoft.com/office/powerpoint/2012/main">
+      <p15:sldGuideLst xmlns:p15="http://schemas.microsoft.com/office/powerpoint/2012/main" xmlns="">
         <p15:guide id="1" orient="horz" pos="2160">
           <p15:clr>
             <a:srgbClr val="A4A3A4"/>
@@ -4649,7 +4649,7 @@
                   <a:schemeClr val="tx2"/>
                 </a:solidFill>
               </a:rPr>
-              <a:t>messages</a:t>
+              <a:t>Messages (sub-collection)</a:t>
             </a:r>
             <a:endParaRPr lang="en-US" sz="2400" dirty="0">
               <a:solidFill>
@@ -6867,15 +6867,7 @@
                   <a:schemeClr val="tx2"/>
                 </a:solidFill>
               </a:rPr>
-              <a:t>Data </a:t>
-            </a:r>
-            <a:r>
-              <a:rPr lang="en-US" dirty="0" smtClean="0">
-                <a:solidFill>
-                  <a:schemeClr val="tx2"/>
-                </a:solidFill>
-              </a:rPr>
-              <a:t>Protection and Privacy</a:t>
+              <a:t>Data Protection and Privacy</a:t>
             </a:r>
           </a:p>
           <a:p>
